--- a/Presentation_Excel-Basics-Workshop_PT1.pptx
+++ b/Presentation_Excel-Basics-Workshop_PT1.pptx
@@ -15,8 +15,9 @@
     <p:sldId id="280" r:id="rId9"/>
     <p:sldId id="271" r:id="rId10"/>
     <p:sldId id="276" r:id="rId11"/>
-    <p:sldId id="272" r:id="rId12"/>
+    <p:sldId id="282" r:id="rId12"/>
     <p:sldId id="274" r:id="rId13"/>
+    <p:sldId id="281" r:id="rId14"/>
   </p:sldIdLst>
   <p:sldSz cx="12192000" cy="6858000"/>
   <p:notesSz cx="6858000" cy="9144000"/>
@@ -270,7 +271,7 @@
           <a:p>
             <a:fld id="{E85F617C-C022-0342-8B1F-7EBF7677C73C}" type="datetimeFigureOut">
               <a:rPr lang="en-US" smtClean="0"/>
-              <a:t>10/22/2019</a:t>
+              <a:t>10/23/2019</a:t>
             </a:fld>
             <a:endParaRPr lang="en-US"/>
           </a:p>
@@ -468,7 +469,7 @@
           <a:p>
             <a:fld id="{E85F617C-C022-0342-8B1F-7EBF7677C73C}" type="datetimeFigureOut">
               <a:rPr lang="en-US" smtClean="0"/>
-              <a:t>10/22/2019</a:t>
+              <a:t>10/23/2019</a:t>
             </a:fld>
             <a:endParaRPr lang="en-US"/>
           </a:p>
@@ -676,7 +677,7 @@
           <a:p>
             <a:fld id="{E85F617C-C022-0342-8B1F-7EBF7677C73C}" type="datetimeFigureOut">
               <a:rPr lang="en-US" smtClean="0"/>
-              <a:t>10/22/2019</a:t>
+              <a:t>10/23/2019</a:t>
             </a:fld>
             <a:endParaRPr lang="en-US"/>
           </a:p>
@@ -874,7 +875,7 @@
           <a:p>
             <a:fld id="{E85F617C-C022-0342-8B1F-7EBF7677C73C}" type="datetimeFigureOut">
               <a:rPr lang="en-US" smtClean="0"/>
-              <a:t>10/22/2019</a:t>
+              <a:t>10/23/2019</a:t>
             </a:fld>
             <a:endParaRPr lang="en-US"/>
           </a:p>
@@ -1149,7 +1150,7 @@
           <a:p>
             <a:fld id="{E85F617C-C022-0342-8B1F-7EBF7677C73C}" type="datetimeFigureOut">
               <a:rPr lang="en-US" smtClean="0"/>
-              <a:t>10/22/2019</a:t>
+              <a:t>10/23/2019</a:t>
             </a:fld>
             <a:endParaRPr lang="en-US"/>
           </a:p>
@@ -1414,7 +1415,7 @@
           <a:p>
             <a:fld id="{E85F617C-C022-0342-8B1F-7EBF7677C73C}" type="datetimeFigureOut">
               <a:rPr lang="en-US" smtClean="0"/>
-              <a:t>10/22/2019</a:t>
+              <a:t>10/23/2019</a:t>
             </a:fld>
             <a:endParaRPr lang="en-US"/>
           </a:p>
@@ -1826,7 +1827,7 @@
           <a:p>
             <a:fld id="{E85F617C-C022-0342-8B1F-7EBF7677C73C}" type="datetimeFigureOut">
               <a:rPr lang="en-US" smtClean="0"/>
-              <a:t>10/22/2019</a:t>
+              <a:t>10/23/2019</a:t>
             </a:fld>
             <a:endParaRPr lang="en-US"/>
           </a:p>
@@ -1967,7 +1968,7 @@
           <a:p>
             <a:fld id="{E85F617C-C022-0342-8B1F-7EBF7677C73C}" type="datetimeFigureOut">
               <a:rPr lang="en-US" smtClean="0"/>
-              <a:t>10/22/2019</a:t>
+              <a:t>10/23/2019</a:t>
             </a:fld>
             <a:endParaRPr lang="en-US"/>
           </a:p>
@@ -2080,7 +2081,7 @@
           <a:p>
             <a:fld id="{E85F617C-C022-0342-8B1F-7EBF7677C73C}" type="datetimeFigureOut">
               <a:rPr lang="en-US" smtClean="0"/>
-              <a:t>10/22/2019</a:t>
+              <a:t>10/23/2019</a:t>
             </a:fld>
             <a:endParaRPr lang="en-US"/>
           </a:p>
@@ -2391,7 +2392,7 @@
           <a:p>
             <a:fld id="{E85F617C-C022-0342-8B1F-7EBF7677C73C}" type="datetimeFigureOut">
               <a:rPr lang="en-US" smtClean="0"/>
-              <a:t>10/22/2019</a:t>
+              <a:t>10/23/2019</a:t>
             </a:fld>
             <a:endParaRPr lang="en-US"/>
           </a:p>
@@ -2679,7 +2680,7 @@
           <a:p>
             <a:fld id="{E85F617C-C022-0342-8B1F-7EBF7677C73C}" type="datetimeFigureOut">
               <a:rPr lang="en-US" smtClean="0"/>
-              <a:t>10/22/2019</a:t>
+              <a:t>10/23/2019</a:t>
             </a:fld>
             <a:endParaRPr lang="en-US"/>
           </a:p>
@@ -2920,7 +2921,7 @@
           <a:p>
             <a:fld id="{E85F617C-C022-0342-8B1F-7EBF7677C73C}" type="datetimeFigureOut">
               <a:rPr lang="en-US" smtClean="0"/>
-              <a:t>10/22/2019</a:t>
+              <a:t>10/23/2019</a:t>
             </a:fld>
             <a:endParaRPr lang="en-US"/>
           </a:p>
@@ -3753,7 +3754,7 @@
         <p:spPr>
           <a:xfrm>
             <a:off x="609600" y="1279179"/>
-            <a:ext cx="10972800" cy="4570778"/>
+            <a:ext cx="10972800" cy="5310690"/>
           </a:xfrm>
           <a:prstGeom prst="rect">
             <a:avLst/>
@@ -3928,109 +3929,170 @@
             </a:lvl9pPr>
           </a:lstStyle>
           <a:p>
-            <a:r>
-              <a:rPr lang="en-US" sz="2400" dirty="0"/>
-              <a:t>Comparisons</a:t>
-            </a:r>
-          </a:p>
-          <a:p>
-            <a:pPr marL="914400" lvl="1" indent="-457200">
-              <a:buFont typeface="+mj-lt"/>
-              <a:buAutoNum type="arabicPeriod"/>
+            <a:pPr marL="0" indent="0">
+              <a:buNone/>
             </a:pPr>
             <a:r>
-              <a:rPr lang="en-US" sz="2000" dirty="0"/>
-              <a:t>Line</a:t>
+              <a:rPr lang="en-US" sz="1900" b="1" dirty="0"/>
+              <a:t>Beginner Tutorials </a:t>
             </a:r>
-          </a:p>
-          <a:p>
-            <a:pPr marL="914400" lvl="1" indent="-457200">
-              <a:buFont typeface="+mj-lt"/>
-              <a:buAutoNum type="arabicPeriod"/>
+            <a:endParaRPr lang="en-US" sz="1900" dirty="0"/>
+          </a:p>
+          <a:p>
+            <a:pPr marL="688975" lvl="0"/>
+            <a:r>
+              <a:rPr lang="en-US" sz="1600" u="sng" dirty="0">
+                <a:hlinkClick r:id="rId3"/>
+              </a:rPr>
+              <a:t>Excel Easy</a:t>
+            </a:r>
+            <a:endParaRPr lang="en-US" sz="1600" dirty="0"/>
+          </a:p>
+          <a:p>
+            <a:pPr marL="1203325" lvl="2" indent="-285750">
+              <a:buFont typeface="Courier New" panose="02070309020205020404" pitchFamily="49" charset="0"/>
+              <a:buChar char="o"/>
             </a:pPr>
             <a:r>
-              <a:rPr lang="en-US" sz="2000" dirty="0"/>
-              <a:t>Column</a:t>
+              <a:rPr lang="en-US" sz="1600" u="sng" dirty="0">
+                <a:hlinkClick r:id="rId4"/>
+              </a:rPr>
+              <a:t>Excel Easy – Keyboard Shortcuts</a:t>
             </a:r>
-          </a:p>
-          <a:p>
+            <a:endParaRPr lang="en-US" sz="1600" dirty="0"/>
+          </a:p>
+          <a:p>
+            <a:pPr marL="688975" lvl="0"/>
             <a:r>
-              <a:rPr lang="en-US" sz="2400" dirty="0"/>
-              <a:t>Distributions</a:t>
+              <a:rPr lang="en-US" sz="1600" u="sng" dirty="0">
+                <a:hlinkClick r:id="rId5"/>
+              </a:rPr>
+              <a:t>GCF Global – Excel 2016</a:t>
             </a:r>
-          </a:p>
-          <a:p>
-            <a:pPr marL="914400" lvl="1" indent="-457200">
-              <a:buFont typeface="+mj-lt"/>
-              <a:buAutoNum type="arabicPeriod"/>
+            <a:endParaRPr lang="en-US" sz="1600" dirty="0"/>
+          </a:p>
+          <a:p>
+            <a:pPr marL="688975" lvl="0"/>
+            <a:r>
+              <a:rPr lang="en-US" sz="1600" u="sng" dirty="0">
+                <a:hlinkClick r:id="rId6"/>
+              </a:rPr>
+              <a:t>Office – Excel for Windows Training</a:t>
+            </a:r>
+            <a:endParaRPr lang="en-US" sz="1600" dirty="0"/>
+          </a:p>
+          <a:p>
+            <a:pPr marL="688975" lvl="0"/>
+            <a:r>
+              <a:rPr lang="en-US" sz="1600" u="sng" dirty="0">
+                <a:hlinkClick r:id="rId7"/>
+              </a:rPr>
+              <a:t>Excel Help Center</a:t>
+            </a:r>
+            <a:endParaRPr lang="en-US" sz="1600" dirty="0"/>
+          </a:p>
+          <a:p>
+            <a:pPr marL="688975" lvl="0"/>
+            <a:r>
+              <a:rPr lang="en-US" sz="1600" dirty="0"/>
+              <a:t>Microsoft Excel Beginners Video Tutorial – </a:t>
+            </a:r>
+            <a:r>
+              <a:rPr lang="en-US" sz="1600" dirty="0">
+                <a:hlinkClick r:id="rId8"/>
+              </a:rPr>
+              <a:t>Level 1</a:t>
+            </a:r>
+            <a:r>
+              <a:rPr lang="en-US" sz="1600" dirty="0"/>
+              <a:t> &amp; </a:t>
+            </a:r>
+            <a:r>
+              <a:rPr lang="en-US" sz="1600" dirty="0">
+                <a:hlinkClick r:id="rId9"/>
+              </a:rPr>
+              <a:t>Level 2</a:t>
+            </a:r>
+            <a:endParaRPr lang="en-US" sz="1600" dirty="0"/>
+          </a:p>
+          <a:p>
+            <a:pPr marL="0" indent="0">
+              <a:buNone/>
+            </a:pPr>
+            <a:endParaRPr lang="en-US" sz="1900" b="1" dirty="0"/>
+          </a:p>
+          <a:p>
+            <a:pPr marL="0" indent="0">
+              <a:buNone/>
             </a:pPr>
             <a:r>
-              <a:rPr lang="en-US" sz="2000" dirty="0"/>
-              <a:t>Scatter Plot</a:t>
+              <a:rPr lang="en-US" sz="1800" b="1" dirty="0"/>
+              <a:t>Community Resources</a:t>
             </a:r>
-          </a:p>
-          <a:p>
-            <a:pPr marL="914400" lvl="1" indent="-457200">
-              <a:buFont typeface="+mj-lt"/>
-              <a:buAutoNum type="arabicPeriod"/>
+            <a:endParaRPr lang="en-US" sz="1800" dirty="0"/>
+          </a:p>
+          <a:p>
+            <a:pPr lvl="1"/>
+            <a:r>
+              <a:rPr lang="en-US" sz="1600" u="sng" dirty="0">
+                <a:hlinkClick r:id="rId10"/>
+              </a:rPr>
+              <a:t>Excel Jet</a:t>
+            </a:r>
+            <a:endParaRPr lang="en-US" sz="1600" dirty="0"/>
+          </a:p>
+          <a:p>
+            <a:pPr lvl="2">
+              <a:buFont typeface="Courier New" panose="02070309020205020404" pitchFamily="49" charset="0"/>
+              <a:buChar char="o"/>
             </a:pPr>
             <a:r>
-              <a:rPr lang="en-US" sz="2000" dirty="0" err="1"/>
-              <a:t>Treemap</a:t>
+              <a:rPr lang="en-US" sz="1600" u="sng" dirty="0">
+                <a:hlinkClick r:id="rId11"/>
+              </a:rPr>
+              <a:t>Excel Jet – List of Shortcuts</a:t>
             </a:r>
-            <a:endParaRPr lang="en-US" sz="2000" dirty="0"/>
-          </a:p>
-          <a:p>
+            <a:endParaRPr lang="en-US" sz="1600" dirty="0"/>
+          </a:p>
+          <a:p>
+            <a:pPr lvl="1"/>
             <a:r>
-              <a:rPr lang="en-US" sz="2400" dirty="0"/>
-              <a:t>Composition</a:t>
+              <a:rPr lang="en-US" sz="1600" u="sng" dirty="0">
+                <a:hlinkClick r:id="rId12"/>
+              </a:rPr>
+              <a:t>Microsoft Excel Community</a:t>
             </a:r>
-          </a:p>
-          <a:p>
-            <a:pPr marL="914400" lvl="1" indent="-457200">
-              <a:buFont typeface="+mj-lt"/>
-              <a:buAutoNum type="arabicPeriod"/>
+            <a:endParaRPr lang="en-US" sz="1600" dirty="0"/>
+          </a:p>
+          <a:p>
+            <a:pPr lvl="1"/>
+            <a:r>
+              <a:rPr lang="en-US" sz="1600" u="sng" dirty="0">
+                <a:hlinkClick r:id="rId13"/>
+              </a:rPr>
+              <a:t>Microsoft Answers Community</a:t>
+            </a:r>
+            <a:endParaRPr lang="en-US" sz="1600" dirty="0"/>
+          </a:p>
+          <a:p>
+            <a:pPr marL="0" indent="0">
+              <a:buNone/>
+            </a:pPr>
+            <a:endParaRPr lang="en-US" sz="1800" b="1" dirty="0"/>
+          </a:p>
+          <a:p>
+            <a:pPr marL="0" indent="0">
+              <a:buNone/>
             </a:pPr>
             <a:r>
-              <a:rPr lang="en-US" sz="2000" dirty="0"/>
-              <a:t>Pie</a:t>
+              <a:rPr lang="en-US" sz="1800" b="1" dirty="0"/>
+              <a:t>Ask Google!</a:t>
             </a:r>
           </a:p>
           <a:p>
-            <a:pPr marL="914400" lvl="1" indent="-457200">
-              <a:buFont typeface="+mj-lt"/>
-              <a:buAutoNum type="arabicPeriod"/>
+            <a:pPr marL="0" indent="0">
+              <a:buNone/>
             </a:pPr>
-            <a:r>
-              <a:rPr lang="en-US" sz="2000" dirty="0"/>
-              <a:t>Area</a:t>
-            </a:r>
-          </a:p>
-          <a:p>
-            <a:r>
-              <a:rPr lang="en-US" sz="2400" dirty="0"/>
-              <a:t>Time Based </a:t>
-            </a:r>
-          </a:p>
-          <a:p>
-            <a:pPr marL="914400" lvl="1" indent="-457200">
-              <a:buFont typeface="+mj-lt"/>
-              <a:buAutoNum type="arabicPeriod"/>
-            </a:pPr>
-            <a:r>
-              <a:rPr lang="en-US" sz="2000" dirty="0"/>
-              <a:t>Line</a:t>
-            </a:r>
-          </a:p>
-          <a:p>
-            <a:pPr marL="914400" lvl="1" indent="-457200">
-              <a:buFont typeface="+mj-lt"/>
-              <a:buAutoNum type="arabicPeriod"/>
-            </a:pPr>
-            <a:r>
-              <a:rPr lang="en-US" sz="2000" dirty="0"/>
-              <a:t>Column</a:t>
-            </a:r>
             <a:endParaRPr lang="en-US" sz="1800" dirty="0"/>
           </a:p>
         </p:txBody>
@@ -4158,7 +4220,7 @@
                 </a:solidFill>
                 <a:latin typeface="Interstate" pitchFamily="2" charset="0"/>
               </a:rPr>
-              <a:t>Part 3.1 – Exercise</a:t>
+              <a:t>Part 2 – Exercise</a:t>
             </a:r>
           </a:p>
         </p:txBody>
@@ -4252,439 +4314,6 @@
       </p:pic>
       <p:sp>
         <p:nvSpPr>
-          <p:cNvPr id="4" name="Content Placeholder 3"/>
-          <p:cNvSpPr>
-            <a:spLocks noGrp="1"/>
-          </p:cNvSpPr>
-          <p:nvPr>
-            <p:ph idx="1"/>
-          </p:nvPr>
-        </p:nvSpPr>
-        <p:spPr>
-          <a:xfrm>
-            <a:off x="8716872" y="1498619"/>
-            <a:ext cx="3252868" cy="4351338"/>
-          </a:xfrm>
-        </p:spPr>
-        <p:txBody>
-          <a:bodyPr anchor="ctr"/>
-          <a:lstStyle/>
-          <a:p>
-            <a:pPr marL="0" indent="0" algn="ctr">
-              <a:buNone/>
-            </a:pPr>
-            <a:r>
-              <a:rPr lang="en-US" sz="20000" dirty="0">
-                <a:solidFill>
-                  <a:srgbClr val="00703C"/>
-                </a:solidFill>
-              </a:rPr>
-              <a:t>7</a:t>
-            </a:r>
-          </a:p>
-        </p:txBody>
-      </p:sp>
-      <p:sp>
-        <p:nvSpPr>
-          <p:cNvPr id="8" name="Content Placeholder 3"/>
-          <p:cNvSpPr txBox="1">
-            <a:spLocks/>
-          </p:cNvSpPr>
-          <p:nvPr/>
-        </p:nvSpPr>
-        <p:spPr>
-          <a:xfrm>
-            <a:off x="8716874" y="1498619"/>
-            <a:ext cx="3252866" cy="4351338"/>
-          </a:xfrm>
-          <a:prstGeom prst="rect">
-            <a:avLst/>
-          </a:prstGeom>
-        </p:spPr>
-        <p:txBody>
-          <a:bodyPr vert="horz" lIns="91440" tIns="45720" rIns="91440" bIns="45720" rtlCol="0" anchor="ctr">
-            <a:normAutofit/>
-          </a:bodyPr>
-          <a:lstStyle>
-            <a:lvl1pPr marL="228600" indent="-228600" algn="l" defTabSz="914400" rtl="0" eaLnBrk="1" latinLnBrk="0" hangingPunct="1">
-              <a:lnSpc>
-                <a:spcPct val="90000"/>
-              </a:lnSpc>
-              <a:spcBef>
-                <a:spcPts val="1000"/>
-              </a:spcBef>
-              <a:buFont typeface="Arial" panose="020B0604020202020204" pitchFamily="34" charset="0"/>
-              <a:buChar char="•"/>
-              <a:defRPr sz="2800" kern="1200">
-                <a:solidFill>
-                  <a:schemeClr val="tx1"/>
-                </a:solidFill>
-                <a:latin typeface="+mn-lt"/>
-                <a:ea typeface="+mn-ea"/>
-                <a:cs typeface="+mn-cs"/>
-              </a:defRPr>
-            </a:lvl1pPr>
-            <a:lvl2pPr marL="685800" indent="-228600" algn="l" defTabSz="914400" rtl="0" eaLnBrk="1" latinLnBrk="0" hangingPunct="1">
-              <a:lnSpc>
-                <a:spcPct val="90000"/>
-              </a:lnSpc>
-              <a:spcBef>
-                <a:spcPts val="500"/>
-              </a:spcBef>
-              <a:buFont typeface="Arial" panose="020B0604020202020204" pitchFamily="34" charset="0"/>
-              <a:buChar char="•"/>
-              <a:defRPr sz="2400" kern="1200">
-                <a:solidFill>
-                  <a:schemeClr val="tx1"/>
-                </a:solidFill>
-                <a:latin typeface="+mn-lt"/>
-                <a:ea typeface="+mn-ea"/>
-                <a:cs typeface="+mn-cs"/>
-              </a:defRPr>
-            </a:lvl2pPr>
-            <a:lvl3pPr marL="1143000" indent="-228600" algn="l" defTabSz="914400" rtl="0" eaLnBrk="1" latinLnBrk="0" hangingPunct="1">
-              <a:lnSpc>
-                <a:spcPct val="90000"/>
-              </a:lnSpc>
-              <a:spcBef>
-                <a:spcPts val="500"/>
-              </a:spcBef>
-              <a:buFont typeface="Arial" panose="020B0604020202020204" pitchFamily="34" charset="0"/>
-              <a:buChar char="•"/>
-              <a:defRPr sz="2000" kern="1200">
-                <a:solidFill>
-                  <a:schemeClr val="tx1"/>
-                </a:solidFill>
-                <a:latin typeface="+mn-lt"/>
-                <a:ea typeface="+mn-ea"/>
-                <a:cs typeface="+mn-cs"/>
-              </a:defRPr>
-            </a:lvl3pPr>
-            <a:lvl4pPr marL="1600200" indent="-228600" algn="l" defTabSz="914400" rtl="0" eaLnBrk="1" latinLnBrk="0" hangingPunct="1">
-              <a:lnSpc>
-                <a:spcPct val="90000"/>
-              </a:lnSpc>
-              <a:spcBef>
-                <a:spcPts val="500"/>
-              </a:spcBef>
-              <a:buFont typeface="Arial" panose="020B0604020202020204" pitchFamily="34" charset="0"/>
-              <a:buChar char="•"/>
-              <a:defRPr sz="1800" kern="1200">
-                <a:solidFill>
-                  <a:schemeClr val="tx1"/>
-                </a:solidFill>
-                <a:latin typeface="+mn-lt"/>
-                <a:ea typeface="+mn-ea"/>
-                <a:cs typeface="+mn-cs"/>
-              </a:defRPr>
-            </a:lvl4pPr>
-            <a:lvl5pPr marL="2057400" indent="-228600" algn="l" defTabSz="914400" rtl="0" eaLnBrk="1" latinLnBrk="0" hangingPunct="1">
-              <a:lnSpc>
-                <a:spcPct val="90000"/>
-              </a:lnSpc>
-              <a:spcBef>
-                <a:spcPts val="500"/>
-              </a:spcBef>
-              <a:buFont typeface="Arial" panose="020B0604020202020204" pitchFamily="34" charset="0"/>
-              <a:buChar char="•"/>
-              <a:defRPr sz="1800" kern="1200">
-                <a:solidFill>
-                  <a:schemeClr val="tx1"/>
-                </a:solidFill>
-                <a:latin typeface="+mn-lt"/>
-                <a:ea typeface="+mn-ea"/>
-                <a:cs typeface="+mn-cs"/>
-              </a:defRPr>
-            </a:lvl5pPr>
-            <a:lvl6pPr marL="2514600" indent="-228600" algn="l" defTabSz="914400" rtl="0" eaLnBrk="1" latinLnBrk="0" hangingPunct="1">
-              <a:lnSpc>
-                <a:spcPct val="90000"/>
-              </a:lnSpc>
-              <a:spcBef>
-                <a:spcPts val="500"/>
-              </a:spcBef>
-              <a:buFont typeface="Arial" panose="020B0604020202020204" pitchFamily="34" charset="0"/>
-              <a:buChar char="•"/>
-              <a:defRPr sz="1800" kern="1200">
-                <a:solidFill>
-                  <a:schemeClr val="tx1"/>
-                </a:solidFill>
-                <a:latin typeface="+mn-lt"/>
-                <a:ea typeface="+mn-ea"/>
-                <a:cs typeface="+mn-cs"/>
-              </a:defRPr>
-            </a:lvl6pPr>
-            <a:lvl7pPr marL="2971800" indent="-228600" algn="l" defTabSz="914400" rtl="0" eaLnBrk="1" latinLnBrk="0" hangingPunct="1">
-              <a:lnSpc>
-                <a:spcPct val="90000"/>
-              </a:lnSpc>
-              <a:spcBef>
-                <a:spcPts val="500"/>
-              </a:spcBef>
-              <a:buFont typeface="Arial" panose="020B0604020202020204" pitchFamily="34" charset="0"/>
-              <a:buChar char="•"/>
-              <a:defRPr sz="1800" kern="1200">
-                <a:solidFill>
-                  <a:schemeClr val="tx1"/>
-                </a:solidFill>
-                <a:latin typeface="+mn-lt"/>
-                <a:ea typeface="+mn-ea"/>
-                <a:cs typeface="+mn-cs"/>
-              </a:defRPr>
-            </a:lvl7pPr>
-            <a:lvl8pPr marL="3429000" indent="-228600" algn="l" defTabSz="914400" rtl="0" eaLnBrk="1" latinLnBrk="0" hangingPunct="1">
-              <a:lnSpc>
-                <a:spcPct val="90000"/>
-              </a:lnSpc>
-              <a:spcBef>
-                <a:spcPts val="500"/>
-              </a:spcBef>
-              <a:buFont typeface="Arial" panose="020B0604020202020204" pitchFamily="34" charset="0"/>
-              <a:buChar char="•"/>
-              <a:defRPr sz="1800" kern="1200">
-                <a:solidFill>
-                  <a:schemeClr val="tx1"/>
-                </a:solidFill>
-                <a:latin typeface="+mn-lt"/>
-                <a:ea typeface="+mn-ea"/>
-                <a:cs typeface="+mn-cs"/>
-              </a:defRPr>
-            </a:lvl8pPr>
-            <a:lvl9pPr marL="3886200" indent="-228600" algn="l" defTabSz="914400" rtl="0" eaLnBrk="1" latinLnBrk="0" hangingPunct="1">
-              <a:lnSpc>
-                <a:spcPct val="90000"/>
-              </a:lnSpc>
-              <a:spcBef>
-                <a:spcPts val="500"/>
-              </a:spcBef>
-              <a:buFont typeface="Arial" panose="020B0604020202020204" pitchFamily="34" charset="0"/>
-              <a:buChar char="•"/>
-              <a:defRPr sz="1800" kern="1200">
-                <a:solidFill>
-                  <a:schemeClr val="tx1"/>
-                </a:solidFill>
-                <a:latin typeface="+mn-lt"/>
-                <a:ea typeface="+mn-ea"/>
-                <a:cs typeface="+mn-cs"/>
-              </a:defRPr>
-            </a:lvl9pPr>
-          </a:lstStyle>
-          <a:p>
-            <a:pPr marL="0" indent="0" algn="ctr">
-              <a:buFont typeface="Arial" panose="020B0604020202020204" pitchFamily="34" charset="0"/>
-              <a:buNone/>
-            </a:pPr>
-            <a:endParaRPr lang="en-US" dirty="0">
-              <a:solidFill>
-                <a:srgbClr val="00703C"/>
-              </a:solidFill>
-            </a:endParaRPr>
-          </a:p>
-        </p:txBody>
-      </p:sp>
-      <p:sp>
-        <p:nvSpPr>
-          <p:cNvPr id="10" name="Content Placeholder 3"/>
-          <p:cNvSpPr txBox="1">
-            <a:spLocks/>
-          </p:cNvSpPr>
-          <p:nvPr/>
-        </p:nvSpPr>
-        <p:spPr>
-          <a:xfrm>
-            <a:off x="8716874" y="1498619"/>
-            <a:ext cx="3252865" cy="4351338"/>
-          </a:xfrm>
-          <a:prstGeom prst="rect">
-            <a:avLst/>
-          </a:prstGeom>
-        </p:spPr>
-        <p:txBody>
-          <a:bodyPr vert="horz" lIns="91440" tIns="45720" rIns="91440" bIns="45720" rtlCol="0" anchor="ctr">
-            <a:normAutofit/>
-          </a:bodyPr>
-          <a:lstStyle>
-            <a:lvl1pPr marL="228600" indent="-228600" algn="l" defTabSz="914400" rtl="0" eaLnBrk="1" latinLnBrk="0" hangingPunct="1">
-              <a:lnSpc>
-                <a:spcPct val="90000"/>
-              </a:lnSpc>
-              <a:spcBef>
-                <a:spcPts val="1000"/>
-              </a:spcBef>
-              <a:buFont typeface="Arial" panose="020B0604020202020204" pitchFamily="34" charset="0"/>
-              <a:buChar char="•"/>
-              <a:defRPr sz="2800" kern="1200">
-                <a:solidFill>
-                  <a:schemeClr val="tx1"/>
-                </a:solidFill>
-                <a:latin typeface="+mn-lt"/>
-                <a:ea typeface="+mn-ea"/>
-                <a:cs typeface="+mn-cs"/>
-              </a:defRPr>
-            </a:lvl1pPr>
-            <a:lvl2pPr marL="685800" indent="-228600" algn="l" defTabSz="914400" rtl="0" eaLnBrk="1" latinLnBrk="0" hangingPunct="1">
-              <a:lnSpc>
-                <a:spcPct val="90000"/>
-              </a:lnSpc>
-              <a:spcBef>
-                <a:spcPts val="500"/>
-              </a:spcBef>
-              <a:buFont typeface="Arial" panose="020B0604020202020204" pitchFamily="34" charset="0"/>
-              <a:buChar char="•"/>
-              <a:defRPr sz="2400" kern="1200">
-                <a:solidFill>
-                  <a:schemeClr val="tx1"/>
-                </a:solidFill>
-                <a:latin typeface="+mn-lt"/>
-                <a:ea typeface="+mn-ea"/>
-                <a:cs typeface="+mn-cs"/>
-              </a:defRPr>
-            </a:lvl2pPr>
-            <a:lvl3pPr marL="1143000" indent="-228600" algn="l" defTabSz="914400" rtl="0" eaLnBrk="1" latinLnBrk="0" hangingPunct="1">
-              <a:lnSpc>
-                <a:spcPct val="90000"/>
-              </a:lnSpc>
-              <a:spcBef>
-                <a:spcPts val="500"/>
-              </a:spcBef>
-              <a:buFont typeface="Arial" panose="020B0604020202020204" pitchFamily="34" charset="0"/>
-              <a:buChar char="•"/>
-              <a:defRPr sz="2000" kern="1200">
-                <a:solidFill>
-                  <a:schemeClr val="tx1"/>
-                </a:solidFill>
-                <a:latin typeface="+mn-lt"/>
-                <a:ea typeface="+mn-ea"/>
-                <a:cs typeface="+mn-cs"/>
-              </a:defRPr>
-            </a:lvl3pPr>
-            <a:lvl4pPr marL="1600200" indent="-228600" algn="l" defTabSz="914400" rtl="0" eaLnBrk="1" latinLnBrk="0" hangingPunct="1">
-              <a:lnSpc>
-                <a:spcPct val="90000"/>
-              </a:lnSpc>
-              <a:spcBef>
-                <a:spcPts val="500"/>
-              </a:spcBef>
-              <a:buFont typeface="Arial" panose="020B0604020202020204" pitchFamily="34" charset="0"/>
-              <a:buChar char="•"/>
-              <a:defRPr sz="1800" kern="1200">
-                <a:solidFill>
-                  <a:schemeClr val="tx1"/>
-                </a:solidFill>
-                <a:latin typeface="+mn-lt"/>
-                <a:ea typeface="+mn-ea"/>
-                <a:cs typeface="+mn-cs"/>
-              </a:defRPr>
-            </a:lvl4pPr>
-            <a:lvl5pPr marL="2057400" indent="-228600" algn="l" defTabSz="914400" rtl="0" eaLnBrk="1" latinLnBrk="0" hangingPunct="1">
-              <a:lnSpc>
-                <a:spcPct val="90000"/>
-              </a:lnSpc>
-              <a:spcBef>
-                <a:spcPts val="500"/>
-              </a:spcBef>
-              <a:buFont typeface="Arial" panose="020B0604020202020204" pitchFamily="34" charset="0"/>
-              <a:buChar char="•"/>
-              <a:defRPr sz="1800" kern="1200">
-                <a:solidFill>
-                  <a:schemeClr val="tx1"/>
-                </a:solidFill>
-                <a:latin typeface="+mn-lt"/>
-                <a:ea typeface="+mn-ea"/>
-                <a:cs typeface="+mn-cs"/>
-              </a:defRPr>
-            </a:lvl5pPr>
-            <a:lvl6pPr marL="2514600" indent="-228600" algn="l" defTabSz="914400" rtl="0" eaLnBrk="1" latinLnBrk="0" hangingPunct="1">
-              <a:lnSpc>
-                <a:spcPct val="90000"/>
-              </a:lnSpc>
-              <a:spcBef>
-                <a:spcPts val="500"/>
-              </a:spcBef>
-              <a:buFont typeface="Arial" panose="020B0604020202020204" pitchFamily="34" charset="0"/>
-              <a:buChar char="•"/>
-              <a:defRPr sz="1800" kern="1200">
-                <a:solidFill>
-                  <a:schemeClr val="tx1"/>
-                </a:solidFill>
-                <a:latin typeface="+mn-lt"/>
-                <a:ea typeface="+mn-ea"/>
-                <a:cs typeface="+mn-cs"/>
-              </a:defRPr>
-            </a:lvl6pPr>
-            <a:lvl7pPr marL="2971800" indent="-228600" algn="l" defTabSz="914400" rtl="0" eaLnBrk="1" latinLnBrk="0" hangingPunct="1">
-              <a:lnSpc>
-                <a:spcPct val="90000"/>
-              </a:lnSpc>
-              <a:spcBef>
-                <a:spcPts val="500"/>
-              </a:spcBef>
-              <a:buFont typeface="Arial" panose="020B0604020202020204" pitchFamily="34" charset="0"/>
-              <a:buChar char="•"/>
-              <a:defRPr sz="1800" kern="1200">
-                <a:solidFill>
-                  <a:schemeClr val="tx1"/>
-                </a:solidFill>
-                <a:latin typeface="+mn-lt"/>
-                <a:ea typeface="+mn-ea"/>
-                <a:cs typeface="+mn-cs"/>
-              </a:defRPr>
-            </a:lvl7pPr>
-            <a:lvl8pPr marL="3429000" indent="-228600" algn="l" defTabSz="914400" rtl="0" eaLnBrk="1" latinLnBrk="0" hangingPunct="1">
-              <a:lnSpc>
-                <a:spcPct val="90000"/>
-              </a:lnSpc>
-              <a:spcBef>
-                <a:spcPts val="500"/>
-              </a:spcBef>
-              <a:buFont typeface="Arial" panose="020B0604020202020204" pitchFamily="34" charset="0"/>
-              <a:buChar char="•"/>
-              <a:defRPr sz="1800" kern="1200">
-                <a:solidFill>
-                  <a:schemeClr val="tx1"/>
-                </a:solidFill>
-                <a:latin typeface="+mn-lt"/>
-                <a:ea typeface="+mn-ea"/>
-                <a:cs typeface="+mn-cs"/>
-              </a:defRPr>
-            </a:lvl8pPr>
-            <a:lvl9pPr marL="3886200" indent="-228600" algn="l" defTabSz="914400" rtl="0" eaLnBrk="1" latinLnBrk="0" hangingPunct="1">
-              <a:lnSpc>
-                <a:spcPct val="90000"/>
-              </a:lnSpc>
-              <a:spcBef>
-                <a:spcPts val="500"/>
-              </a:spcBef>
-              <a:buFont typeface="Arial" panose="020B0604020202020204" pitchFamily="34" charset="0"/>
-              <a:buChar char="•"/>
-              <a:defRPr sz="1800" kern="1200">
-                <a:solidFill>
-                  <a:schemeClr val="tx1"/>
-                </a:solidFill>
-                <a:latin typeface="+mn-lt"/>
-                <a:ea typeface="+mn-ea"/>
-                <a:cs typeface="+mn-cs"/>
-              </a:defRPr>
-            </a:lvl9pPr>
-          </a:lstStyle>
-          <a:p>
-            <a:pPr marL="0" indent="0" algn="ctr">
-              <a:buFont typeface="Arial" panose="020B0604020202020204" pitchFamily="34" charset="0"/>
-              <a:buNone/>
-            </a:pPr>
-            <a:r>
-              <a:rPr lang="en-US" sz="20000" dirty="0">
-                <a:solidFill>
-                  <a:srgbClr val="00703C"/>
-                </a:solidFill>
-              </a:rPr>
-              <a:t>6</a:t>
-            </a:r>
-          </a:p>
-        </p:txBody>
-      </p:sp>
-      <p:sp>
-        <p:nvSpPr>
           <p:cNvPr id="11" name="Content Placeholder 3"/>
           <p:cNvSpPr txBox="1">
             <a:spLocks/>
@@ -5899,8 +5528,8 @@
         </p:nvSpPr>
         <p:spPr>
           <a:xfrm>
-            <a:off x="438913" y="1279180"/>
-            <a:ext cx="8277966" cy="2532322"/>
+            <a:off x="438912" y="1279180"/>
+            <a:ext cx="8426413" cy="2149819"/>
           </a:xfrm>
           <a:prstGeom prst="rect">
             <a:avLst/>
@@ -6080,277 +5709,25 @@
               <a:buNone/>
             </a:pPr>
             <a:r>
-              <a:rPr lang="en-US" sz="2400" b="1" dirty="0"/>
+              <a:rPr lang="en-US" sz="2000" b="1" dirty="0"/>
               <a:t>Instructions:</a:t>
             </a:r>
           </a:p>
           <a:p>
-            <a:pPr lvl="1"/>
+            <a:pPr marL="800100" lvl="1" indent="-342900">
+              <a:buFont typeface="+mj-lt"/>
+              <a:buAutoNum type="arabicPeriod"/>
+            </a:pPr>
             <a:r>
-              <a:rPr lang="en-US" sz="2000" dirty="0"/>
-              <a:t>Use an IF function to determine if the “Unit” cell value equals “I&amp;T”. If TRUE return “Yes”, If FALSE return “No”.</a:t>
-            </a:r>
-          </a:p>
-          <a:p>
-            <a:pPr lvl="1"/>
-            <a:r>
-              <a:rPr lang="en-US" sz="2000" dirty="0"/>
-              <a:t>Use an IF function to determine if the “Unit” cell value equals “CLTWT” AND the “</a:t>
-            </a:r>
-            <a:r>
-              <a:rPr lang="en-US" sz="2000" dirty="0" err="1"/>
-              <a:t>Annual_Rt</a:t>
-            </a:r>
-            <a:r>
-              <a:rPr lang="en-US" sz="2000" dirty="0"/>
-              <a:t>” is less than $100,000. If TRUE return “Yes”, If FALSE return “No”. (Hint: use an AND logical function)</a:t>
-            </a:r>
-          </a:p>
-          <a:p>
-            <a:pPr lvl="1"/>
-            <a:r>
-              <a:rPr lang="en-US" sz="2000" dirty="0"/>
-              <a:t>Use an IF function to determine if the individuals “FID” cell value is 4 or 2 characters long. (Hint: use a nested IF statement)</a:t>
+              <a:rPr lang="en-US" sz="1600" dirty="0"/>
+              <a:t>Answer the questions provided on the “Part 3” sheet utilizing the resource links provided</a:t>
             </a:r>
           </a:p>
         </p:txBody>
       </p:sp>
       <p:sp>
         <p:nvSpPr>
-          <p:cNvPr id="20" name="Content Placeholder 3"/>
-          <p:cNvSpPr txBox="1">
-            <a:spLocks/>
-          </p:cNvSpPr>
-          <p:nvPr/>
-        </p:nvSpPr>
-        <p:spPr>
-          <a:xfrm>
-            <a:off x="438913" y="3811503"/>
-            <a:ext cx="8277966" cy="398885"/>
-          </a:xfrm>
-          <a:prstGeom prst="rect">
-            <a:avLst/>
-          </a:prstGeom>
-        </p:spPr>
-        <p:txBody>
-          <a:bodyPr vert="horz" lIns="91440" tIns="45720" rIns="91440" bIns="45720" rtlCol="0" anchor="t">
-            <a:normAutofit lnSpcReduction="10000"/>
-          </a:bodyPr>
-          <a:lstStyle>
-            <a:lvl1pPr marL="228600" indent="-228600" algn="l" defTabSz="914400" rtl="0" eaLnBrk="1" latinLnBrk="0" hangingPunct="1">
-              <a:lnSpc>
-                <a:spcPct val="90000"/>
-              </a:lnSpc>
-              <a:spcBef>
-                <a:spcPts val="1000"/>
-              </a:spcBef>
-              <a:buFont typeface="Arial" panose="020B0604020202020204" pitchFamily="34" charset="0"/>
-              <a:buChar char="•"/>
-              <a:defRPr sz="2800" kern="1200">
-                <a:solidFill>
-                  <a:schemeClr val="tx1"/>
-                </a:solidFill>
-                <a:latin typeface="+mn-lt"/>
-                <a:ea typeface="+mn-ea"/>
-                <a:cs typeface="+mn-cs"/>
-              </a:defRPr>
-            </a:lvl1pPr>
-            <a:lvl2pPr marL="685800" indent="-228600" algn="l" defTabSz="914400" rtl="0" eaLnBrk="1" latinLnBrk="0" hangingPunct="1">
-              <a:lnSpc>
-                <a:spcPct val="90000"/>
-              </a:lnSpc>
-              <a:spcBef>
-                <a:spcPts val="500"/>
-              </a:spcBef>
-              <a:buFont typeface="Arial" panose="020B0604020202020204" pitchFamily="34" charset="0"/>
-              <a:buChar char="•"/>
-              <a:defRPr sz="2400" kern="1200">
-                <a:solidFill>
-                  <a:schemeClr val="tx1"/>
-                </a:solidFill>
-                <a:latin typeface="+mn-lt"/>
-                <a:ea typeface="+mn-ea"/>
-                <a:cs typeface="+mn-cs"/>
-              </a:defRPr>
-            </a:lvl2pPr>
-            <a:lvl3pPr marL="1143000" indent="-228600" algn="l" defTabSz="914400" rtl="0" eaLnBrk="1" latinLnBrk="0" hangingPunct="1">
-              <a:lnSpc>
-                <a:spcPct val="90000"/>
-              </a:lnSpc>
-              <a:spcBef>
-                <a:spcPts val="500"/>
-              </a:spcBef>
-              <a:buFont typeface="Arial" panose="020B0604020202020204" pitchFamily="34" charset="0"/>
-              <a:buChar char="•"/>
-              <a:defRPr sz="2000" kern="1200">
-                <a:solidFill>
-                  <a:schemeClr val="tx1"/>
-                </a:solidFill>
-                <a:latin typeface="+mn-lt"/>
-                <a:ea typeface="+mn-ea"/>
-                <a:cs typeface="+mn-cs"/>
-              </a:defRPr>
-            </a:lvl3pPr>
-            <a:lvl4pPr marL="1600200" indent="-228600" algn="l" defTabSz="914400" rtl="0" eaLnBrk="1" latinLnBrk="0" hangingPunct="1">
-              <a:lnSpc>
-                <a:spcPct val="90000"/>
-              </a:lnSpc>
-              <a:spcBef>
-                <a:spcPts val="500"/>
-              </a:spcBef>
-              <a:buFont typeface="Arial" panose="020B0604020202020204" pitchFamily="34" charset="0"/>
-              <a:buChar char="•"/>
-              <a:defRPr sz="1800" kern="1200">
-                <a:solidFill>
-                  <a:schemeClr val="tx1"/>
-                </a:solidFill>
-                <a:latin typeface="+mn-lt"/>
-                <a:ea typeface="+mn-ea"/>
-                <a:cs typeface="+mn-cs"/>
-              </a:defRPr>
-            </a:lvl4pPr>
-            <a:lvl5pPr marL="2057400" indent="-228600" algn="l" defTabSz="914400" rtl="0" eaLnBrk="1" latinLnBrk="0" hangingPunct="1">
-              <a:lnSpc>
-                <a:spcPct val="90000"/>
-              </a:lnSpc>
-              <a:spcBef>
-                <a:spcPts val="500"/>
-              </a:spcBef>
-              <a:buFont typeface="Arial" panose="020B0604020202020204" pitchFamily="34" charset="0"/>
-              <a:buChar char="•"/>
-              <a:defRPr sz="1800" kern="1200">
-                <a:solidFill>
-                  <a:schemeClr val="tx1"/>
-                </a:solidFill>
-                <a:latin typeface="+mn-lt"/>
-                <a:ea typeface="+mn-ea"/>
-                <a:cs typeface="+mn-cs"/>
-              </a:defRPr>
-            </a:lvl5pPr>
-            <a:lvl6pPr marL="2514600" indent="-228600" algn="l" defTabSz="914400" rtl="0" eaLnBrk="1" latinLnBrk="0" hangingPunct="1">
-              <a:lnSpc>
-                <a:spcPct val="90000"/>
-              </a:lnSpc>
-              <a:spcBef>
-                <a:spcPts val="500"/>
-              </a:spcBef>
-              <a:buFont typeface="Arial" panose="020B0604020202020204" pitchFamily="34" charset="0"/>
-              <a:buChar char="•"/>
-              <a:defRPr sz="1800" kern="1200">
-                <a:solidFill>
-                  <a:schemeClr val="tx1"/>
-                </a:solidFill>
-                <a:latin typeface="+mn-lt"/>
-                <a:ea typeface="+mn-ea"/>
-                <a:cs typeface="+mn-cs"/>
-              </a:defRPr>
-            </a:lvl6pPr>
-            <a:lvl7pPr marL="2971800" indent="-228600" algn="l" defTabSz="914400" rtl="0" eaLnBrk="1" latinLnBrk="0" hangingPunct="1">
-              <a:lnSpc>
-                <a:spcPct val="90000"/>
-              </a:lnSpc>
-              <a:spcBef>
-                <a:spcPts val="500"/>
-              </a:spcBef>
-              <a:buFont typeface="Arial" panose="020B0604020202020204" pitchFamily="34" charset="0"/>
-              <a:buChar char="•"/>
-              <a:defRPr sz="1800" kern="1200">
-                <a:solidFill>
-                  <a:schemeClr val="tx1"/>
-                </a:solidFill>
-                <a:latin typeface="+mn-lt"/>
-                <a:ea typeface="+mn-ea"/>
-                <a:cs typeface="+mn-cs"/>
-              </a:defRPr>
-            </a:lvl7pPr>
-            <a:lvl8pPr marL="3429000" indent="-228600" algn="l" defTabSz="914400" rtl="0" eaLnBrk="1" latinLnBrk="0" hangingPunct="1">
-              <a:lnSpc>
-                <a:spcPct val="90000"/>
-              </a:lnSpc>
-              <a:spcBef>
-                <a:spcPts val="500"/>
-              </a:spcBef>
-              <a:buFont typeface="Arial" panose="020B0604020202020204" pitchFamily="34" charset="0"/>
-              <a:buChar char="•"/>
-              <a:defRPr sz="1800" kern="1200">
-                <a:solidFill>
-                  <a:schemeClr val="tx1"/>
-                </a:solidFill>
-                <a:latin typeface="+mn-lt"/>
-                <a:ea typeface="+mn-ea"/>
-                <a:cs typeface="+mn-cs"/>
-              </a:defRPr>
-            </a:lvl8pPr>
-            <a:lvl9pPr marL="3886200" indent="-228600" algn="l" defTabSz="914400" rtl="0" eaLnBrk="1" latinLnBrk="0" hangingPunct="1">
-              <a:lnSpc>
-                <a:spcPct val="90000"/>
-              </a:lnSpc>
-              <a:spcBef>
-                <a:spcPts val="500"/>
-              </a:spcBef>
-              <a:buFont typeface="Arial" panose="020B0604020202020204" pitchFamily="34" charset="0"/>
-              <a:buChar char="•"/>
-              <a:defRPr sz="1800" kern="1200">
-                <a:solidFill>
-                  <a:schemeClr val="tx1"/>
-                </a:solidFill>
-                <a:latin typeface="+mn-lt"/>
-                <a:ea typeface="+mn-ea"/>
-                <a:cs typeface="+mn-cs"/>
-              </a:defRPr>
-            </a:lvl9pPr>
-          </a:lstStyle>
-          <a:p>
-            <a:pPr marL="0" indent="0">
-              <a:buFont typeface="Arial" panose="020B0604020202020204" pitchFamily="34" charset="0"/>
-              <a:buNone/>
-            </a:pPr>
-            <a:r>
-              <a:rPr lang="en-US" sz="2400" b="1" dirty="0"/>
-              <a:t>Sample Output:</a:t>
-            </a:r>
-          </a:p>
-        </p:txBody>
-      </p:sp>
-      <p:pic>
-        <p:nvPicPr>
-          <p:cNvPr id="9" name="Picture 8">
-            <a:extLst>
-              <a:ext uri="{FF2B5EF4-FFF2-40B4-BE49-F238E27FC236}">
-                <a16:creationId xmlns:a16="http://schemas.microsoft.com/office/drawing/2014/main" id="{3C88046C-E09F-468B-8F23-F5AB2EE46B7F}"/>
-              </a:ext>
-            </a:extLst>
-          </p:cNvPr>
-          <p:cNvPicPr>
-            <a:picLocks noChangeAspect="1"/>
-          </p:cNvPicPr>
-          <p:nvPr/>
-        </p:nvPicPr>
-        <p:blipFill>
-          <a:blip r:embed="rId3"/>
-          <a:stretch>
-            <a:fillRect/>
-          </a:stretch>
-        </p:blipFill>
-        <p:spPr>
-          <a:xfrm>
-            <a:off x="4087473" y="3931029"/>
-            <a:ext cx="3020291" cy="2638278"/>
-          </a:xfrm>
-          <a:prstGeom prst="rect">
-            <a:avLst/>
-          </a:prstGeom>
-        </p:spPr>
-      </p:pic>
-      <p:sp>
-        <p:nvSpPr>
-          <p:cNvPr id="19" name="Content Placeholder 3">
-            <a:extLst>
-              <a:ext uri="{FF2B5EF4-FFF2-40B4-BE49-F238E27FC236}">
-                <a16:creationId xmlns:a16="http://schemas.microsoft.com/office/drawing/2014/main" id="{1862E3E3-1E6D-4390-932A-CB6DE11F5EAA}"/>
-              </a:ext>
-            </a:extLst>
-          </p:cNvPr>
+          <p:cNvPr id="23" name="Content Placeholder 3"/>
           <p:cNvSpPr txBox="1">
             <a:spLocks/>
           </p:cNvSpPr>
@@ -6544,20 +5921,6 @@
                   <a:srgbClr val="00703C"/>
                 </a:solidFill>
               </a:rPr>
-              <a:t>The Final</a:t>
-            </a:r>
-          </a:p>
-          <a:p>
-            <a:pPr marL="0" indent="0" algn="ctr">
-              <a:buFont typeface="Arial" panose="020B0604020202020204" pitchFamily="34" charset="0"/>
-              <a:buNone/>
-            </a:pPr>
-            <a:r>
-              <a:rPr lang="en-US" sz="3200" b="1" dirty="0">
-                <a:solidFill>
-                  <a:srgbClr val="00703C"/>
-                </a:solidFill>
-              </a:rPr>
               <a:t>Countdown</a:t>
             </a:r>
             <a:endParaRPr lang="en-US" sz="2400" b="1" dirty="0">
@@ -6568,10 +5931,54 @@
           </a:p>
         </p:txBody>
       </p:sp>
+      <p:sp>
+        <p:nvSpPr>
+          <p:cNvPr id="19" name="TextBox 18">
+            <a:extLst>
+              <a:ext uri="{FF2B5EF4-FFF2-40B4-BE49-F238E27FC236}">
+                <a16:creationId xmlns:a16="http://schemas.microsoft.com/office/drawing/2014/main" id="{E1CDA6EA-E797-4600-987D-D62E9BCA5346}"/>
+              </a:ext>
+            </a:extLst>
+          </p:cNvPr>
+          <p:cNvSpPr txBox="1"/>
+          <p:nvPr/>
+        </p:nvSpPr>
+        <p:spPr>
+          <a:xfrm>
+            <a:off x="438913" y="5117243"/>
+            <a:ext cx="8147738" cy="954107"/>
+          </a:xfrm>
+          <a:prstGeom prst="rect">
+            <a:avLst/>
+          </a:prstGeom>
+          <a:noFill/>
+        </p:spPr>
+        <p:txBody>
+          <a:bodyPr wrap="square" rtlCol="0">
+            <a:spAutoFit/>
+          </a:bodyPr>
+          <a:lstStyle/>
+          <a:p>
+            <a:r>
+              <a:rPr lang="en-US" sz="2000" b="1" dirty="0"/>
+              <a:t>Answers:</a:t>
+            </a:r>
+          </a:p>
+          <a:p>
+            <a:endParaRPr lang="en-US" dirty="0"/>
+          </a:p>
+          <a:p>
+            <a:r>
+              <a:rPr lang="en-US" i="1" dirty="0"/>
+              <a:t>Please refer to your handbook for the answers to this exercise</a:t>
+            </a:r>
+          </a:p>
+        </p:txBody>
+      </p:sp>
     </p:spTree>
     <p:extLst>
       <p:ext uri="{BB962C8B-B14F-4D97-AF65-F5344CB8AC3E}">
-        <p14:creationId xmlns:p14="http://schemas.microsoft.com/office/powerpoint/2010/main" val="1702275572"/>
+        <p14:creationId xmlns:p14="http://schemas.microsoft.com/office/powerpoint/2010/main" val="3803644161"/>
       </p:ext>
     </p:extLst>
   </p:cSld>
@@ -6612,7 +6019,7 @@
                                           </p:stCondLst>
                                         </p:cTn>
                                         <p:tgtEl>
-                                          <p:spTgt spid="4">
+                                          <p:spTgt spid="11">
                                             <p:txEl>
                                               <p:pRg st="0" end="0"/>
                                             </p:txEl>
@@ -6652,7 +6059,7 @@
                                           </p:stCondLst>
                                         </p:cTn>
                                         <p:tgtEl>
-                                          <p:spTgt spid="10">
+                                          <p:spTgt spid="12">
                                             <p:txEl>
                                               <p:pRg st="0" end="0"/>
                                             </p:txEl>
@@ -6692,7 +6099,7 @@
                                           </p:stCondLst>
                                         </p:cTn>
                                         <p:tgtEl>
-                                          <p:spTgt spid="10">
+                                          <p:spTgt spid="12">
                                             <p:txEl>
                                               <p:pRg st="0" end="0"/>
                                             </p:txEl>
@@ -6732,7 +6139,7 @@
                                           </p:stCondLst>
                                         </p:cTn>
                                         <p:tgtEl>
-                                          <p:spTgt spid="11">
+                                          <p:spTgt spid="13">
                                             <p:txEl>
                                               <p:pRg st="0" end="0"/>
                                             </p:txEl>
@@ -6772,7 +6179,7 @@
                                           </p:stCondLst>
                                         </p:cTn>
                                         <p:tgtEl>
-                                          <p:spTgt spid="11">
+                                          <p:spTgt spid="13">
                                             <p:txEl>
                                               <p:pRg st="0" end="0"/>
                                             </p:txEl>
@@ -6812,7 +6219,7 @@
                                           </p:stCondLst>
                                         </p:cTn>
                                         <p:tgtEl>
-                                          <p:spTgt spid="12">
+                                          <p:spTgt spid="15">
                                             <p:txEl>
                                               <p:pRg st="0" end="0"/>
                                             </p:txEl>
@@ -6852,7 +6259,7 @@
                                           </p:stCondLst>
                                         </p:cTn>
                                         <p:tgtEl>
-                                          <p:spTgt spid="12">
+                                          <p:spTgt spid="15">
                                             <p:txEl>
                                               <p:pRg st="0" end="0"/>
                                             </p:txEl>
@@ -6892,7 +6299,7 @@
                                           </p:stCondLst>
                                         </p:cTn>
                                         <p:tgtEl>
-                                          <p:spTgt spid="13">
+                                          <p:spTgt spid="16">
                                             <p:txEl>
                                               <p:pRg st="0" end="0"/>
                                             </p:txEl>
@@ -6932,7 +6339,7 @@
                                           </p:stCondLst>
                                         </p:cTn>
                                         <p:tgtEl>
-                                          <p:spTgt spid="13">
+                                          <p:spTgt spid="16">
                                             <p:txEl>
                                               <p:pRg st="0" end="0"/>
                                             </p:txEl>
@@ -6972,7 +6379,7 @@
                                           </p:stCondLst>
                                         </p:cTn>
                                         <p:tgtEl>
-                                          <p:spTgt spid="15">
+                                          <p:spTgt spid="17">
                                             <p:txEl>
                                               <p:pRg st="0" end="0"/>
                                             </p:txEl>
@@ -6992,151 +6399,36 @@
                             </p:childTnLst>
                           </p:cTn>
                         </p:par>
+                      </p:childTnLst>
+                    </p:cTn>
+                  </p:par>
+                  <p:par>
+                    <p:cTn id="34" fill="hold">
+                      <p:stCondLst>
+                        <p:cond delay="indefinite"/>
+                      </p:stCondLst>
+                      <p:childTnLst>
                         <p:par>
-                          <p:cTn id="34" fill="hold">
+                          <p:cTn id="35" fill="hold">
                             <p:stCondLst>
-                              <p:cond delay="295050"/>
+                              <p:cond delay="0"/>
                             </p:stCondLst>
                             <p:childTnLst>
                               <p:par>
-                                <p:cTn id="35" presetID="1" presetClass="exit" presetSubtype="0" fill="hold" nodeType="afterEffect">
+                                <p:cTn id="36" presetID="1" presetClass="entr" presetSubtype="0" fill="hold" grpId="0" nodeType="clickEffect">
                                   <p:stCondLst>
                                     <p:cond delay="0"/>
                                   </p:stCondLst>
                                   <p:childTnLst>
                                     <p:set>
                                       <p:cBhvr>
-                                        <p:cTn id="36" dur="1" fill="hold">
+                                        <p:cTn id="37" dur="1" fill="hold">
                                           <p:stCondLst>
-                                            <p:cond delay="58999"/>
+                                            <p:cond delay="0"/>
                                           </p:stCondLst>
                                         </p:cTn>
                                         <p:tgtEl>
-                                          <p:spTgt spid="15">
-                                            <p:txEl>
-                                              <p:pRg st="0" end="0"/>
-                                            </p:txEl>
-                                          </p:spTgt>
-                                        </p:tgtEl>
-                                        <p:attrNameLst>
-                                          <p:attrName>style.visibility</p:attrName>
-                                        </p:attrNameLst>
-                                      </p:cBhvr>
-                                      <p:to>
-                                        <p:strVal val="hidden"/>
-                                      </p:to>
-                                    </p:set>
-                                  </p:childTnLst>
-                                </p:cTn>
-                              </p:par>
-                            </p:childTnLst>
-                          </p:cTn>
-                        </p:par>
-                        <p:par>
-                          <p:cTn id="37" fill="hold">
-                            <p:stCondLst>
-                              <p:cond delay="354050"/>
-                            </p:stCondLst>
-                            <p:childTnLst>
-                              <p:par>
-                                <p:cTn id="38" presetID="1" presetClass="entr" presetSubtype="0" fill="hold" nodeType="afterEffect">
-                                  <p:stCondLst>
-                                    <p:cond delay="0"/>
-                                  </p:stCondLst>
-                                  <p:childTnLst>
-                                    <p:set>
-                                      <p:cBhvr>
-                                        <p:cTn id="39" dur="1" fill="hold">
-                                          <p:stCondLst>
-                                            <p:cond delay="9"/>
-                                          </p:stCondLst>
-                                        </p:cTn>
-                                        <p:tgtEl>
-                                          <p:spTgt spid="16">
-                                            <p:txEl>
-                                              <p:pRg st="0" end="0"/>
-                                            </p:txEl>
-                                          </p:spTgt>
-                                        </p:tgtEl>
-                                        <p:attrNameLst>
-                                          <p:attrName>style.visibility</p:attrName>
-                                        </p:attrNameLst>
-                                      </p:cBhvr>
-                                      <p:to>
-                                        <p:strVal val="visible"/>
-                                      </p:to>
-                                    </p:set>
-                                  </p:childTnLst>
-                                </p:cTn>
-                              </p:par>
-                            </p:childTnLst>
-                          </p:cTn>
-                        </p:par>
-                        <p:par>
-                          <p:cTn id="40" fill="hold">
-                            <p:stCondLst>
-                              <p:cond delay="354060"/>
-                            </p:stCondLst>
-                            <p:childTnLst>
-                              <p:par>
-                                <p:cTn id="41" presetID="1" presetClass="exit" presetSubtype="0" fill="hold" nodeType="afterEffect">
-                                  <p:stCondLst>
-                                    <p:cond delay="0"/>
-                                  </p:stCondLst>
-                                  <p:childTnLst>
-                                    <p:set>
-                                      <p:cBhvr>
-                                        <p:cTn id="42" dur="1" fill="hold">
-                                          <p:stCondLst>
-                                            <p:cond delay="58999"/>
-                                          </p:stCondLst>
-                                        </p:cTn>
-                                        <p:tgtEl>
-                                          <p:spTgt spid="16">
-                                            <p:txEl>
-                                              <p:pRg st="0" end="0"/>
-                                            </p:txEl>
-                                          </p:spTgt>
-                                        </p:tgtEl>
-                                        <p:attrNameLst>
-                                          <p:attrName>style.visibility</p:attrName>
-                                        </p:attrNameLst>
-                                      </p:cBhvr>
-                                      <p:to>
-                                        <p:strVal val="hidden"/>
-                                      </p:to>
-                                    </p:set>
-                                  </p:childTnLst>
-                                </p:cTn>
-                              </p:par>
-                            </p:childTnLst>
-                          </p:cTn>
-                        </p:par>
-                        <p:par>
-                          <p:cTn id="43" fill="hold">
-                            <p:stCondLst>
-                              <p:cond delay="413060"/>
-                            </p:stCondLst>
-                            <p:childTnLst>
-                              <p:par>
-                                <p:cTn id="44" presetID="1" presetClass="entr" presetSubtype="0" fill="hold" nodeType="afterEffect">
-                                  <p:stCondLst>
-                                    <p:cond delay="0"/>
-                                  </p:stCondLst>
-                                  <p:childTnLst>
-                                    <p:set>
-                                      <p:cBhvr>
-                                        <p:cTn id="45" dur="1" fill="hold">
-                                          <p:stCondLst>
-                                            <p:cond delay="9"/>
-                                          </p:stCondLst>
-                                        </p:cTn>
-                                        <p:tgtEl>
-                                          <p:spTgt spid="17">
-                                            <p:txEl>
-                                              <p:pRg st="0" end="0"/>
-                                            </p:txEl>
-                                          </p:spTgt>
+                                          <p:spTgt spid="19"/>
                                         </p:tgtEl>
                                         <p:attrNameLst>
                                           <p:attrName>style.visibility</p:attrName>
@@ -7176,6 +6468,9 @@
         </p:cTn>
       </p:par>
     </p:tnLst>
+    <p:bldLst>
+      <p:bldP spid="19" grpId="0"/>
+    </p:bldLst>
   </p:timing>
 </p:sld>
 </file>
@@ -7557,6 +6852,758 @@
   <p:clrMapOvr>
     <a:masterClrMapping/>
   </p:clrMapOvr>
+</p:sld>
+</file>
+
+<file path=ppt/slides/slide13.xml><?xml version="1.0" encoding="utf-8"?>
+<p:sld xmlns:a="http://schemas.openxmlformats.org/drawingml/2006/main" xmlns:r="http://schemas.openxmlformats.org/officeDocument/2006/relationships" xmlns:p="http://schemas.openxmlformats.org/presentationml/2006/main">
+  <p:cSld>
+    <p:spTree>
+      <p:nvGrpSpPr>
+        <p:cNvPr id="1" name=""/>
+        <p:cNvGrpSpPr/>
+        <p:nvPr/>
+      </p:nvGrpSpPr>
+      <p:grpSpPr>
+        <a:xfrm>
+          <a:off x="0" y="0"/>
+          <a:ext cx="0" cy="0"/>
+          <a:chOff x="0" y="0"/>
+          <a:chExt cx="0" cy="0"/>
+        </a:xfrm>
+      </p:grpSpPr>
+      <p:sp>
+        <p:nvSpPr>
+          <p:cNvPr id="2" name="Rectangle 1">
+            <a:extLst>
+              <a:ext uri="{FF2B5EF4-FFF2-40B4-BE49-F238E27FC236}">
+                <a16:creationId xmlns:a16="http://schemas.microsoft.com/office/drawing/2014/main" id="{AAA14716-80E6-454C-8585-1312AED42D80}"/>
+              </a:ext>
+            </a:extLst>
+          </p:cNvPr>
+          <p:cNvSpPr/>
+          <p:nvPr/>
+        </p:nvSpPr>
+        <p:spPr>
+          <a:xfrm rot="10800000">
+            <a:off x="0" y="-2"/>
+            <a:ext cx="12192000" cy="1074823"/>
+          </a:xfrm>
+          <a:prstGeom prst="rect">
+            <a:avLst/>
+          </a:prstGeom>
+          <a:solidFill>
+            <a:srgbClr val="00703C"/>
+          </a:solidFill>
+          <a:ln>
+            <a:noFill/>
+          </a:ln>
+          <a:effectLst>
+            <a:outerShdw blurRad="50800" dist="12700" dir="16200000" rotWithShape="0">
+              <a:prstClr val="black">
+                <a:alpha val="40000"/>
+              </a:prstClr>
+            </a:outerShdw>
+          </a:effectLst>
+        </p:spPr>
+        <p:style>
+          <a:lnRef idx="1">
+            <a:schemeClr val="accent1"/>
+          </a:lnRef>
+          <a:fillRef idx="3">
+            <a:schemeClr val="accent1"/>
+          </a:fillRef>
+          <a:effectRef idx="2">
+            <a:schemeClr val="accent1"/>
+          </a:effectRef>
+          <a:fontRef idx="minor">
+            <a:schemeClr val="lt1"/>
+          </a:fontRef>
+        </p:style>
+        <p:txBody>
+          <a:bodyPr rtlCol="0" anchor="ctr"/>
+          <a:lstStyle/>
+          <a:p>
+            <a:pPr algn="ctr"/>
+            <a:endParaRPr lang="en-US" sz="2400"/>
+          </a:p>
+        </p:txBody>
+      </p:sp>
+      <p:sp>
+        <p:nvSpPr>
+          <p:cNvPr id="5" name="TextBox 4">
+            <a:extLst>
+              <a:ext uri="{FF2B5EF4-FFF2-40B4-BE49-F238E27FC236}">
+                <a16:creationId xmlns:a16="http://schemas.microsoft.com/office/drawing/2014/main" id="{9E95CFA4-F5D4-4545-8EFD-BD63EB4DEA09}"/>
+              </a:ext>
+            </a:extLst>
+          </p:cNvPr>
+          <p:cNvSpPr txBox="1"/>
+          <p:nvPr/>
+        </p:nvSpPr>
+        <p:spPr>
+          <a:xfrm>
+            <a:off x="3475122" y="188595"/>
+            <a:ext cx="5241757" cy="666786"/>
+          </a:xfrm>
+          <a:prstGeom prst="rect">
+            <a:avLst/>
+          </a:prstGeom>
+          <a:noFill/>
+        </p:spPr>
+        <p:txBody>
+          <a:bodyPr wrap="square" rtlCol="0">
+            <a:spAutoFit/>
+          </a:bodyPr>
+          <a:lstStyle/>
+          <a:p>
+            <a:pPr algn="ctr"/>
+            <a:r>
+              <a:rPr lang="en-US" sz="3733" b="1" dirty="0">
+                <a:solidFill>
+                  <a:schemeClr val="bg1"/>
+                </a:solidFill>
+                <a:latin typeface="Interstate" pitchFamily="2" charset="0"/>
+              </a:rPr>
+              <a:t>Extra Exercise</a:t>
+            </a:r>
+          </a:p>
+        </p:txBody>
+      </p:sp>
+      <p:sp>
+        <p:nvSpPr>
+          <p:cNvPr id="7" name="Rectangle 6">
+            <a:extLst>
+              <a:ext uri="{FF2B5EF4-FFF2-40B4-BE49-F238E27FC236}">
+                <a16:creationId xmlns:a16="http://schemas.microsoft.com/office/drawing/2014/main" id="{7430B4F1-5D31-C942-A7C8-D9962AD6764B}"/>
+              </a:ext>
+            </a:extLst>
+          </p:cNvPr>
+          <p:cNvSpPr/>
+          <p:nvPr/>
+        </p:nvSpPr>
+        <p:spPr>
+          <a:xfrm rot="10800000">
+            <a:off x="0" y="6745712"/>
+            <a:ext cx="12192000" cy="112289"/>
+          </a:xfrm>
+          <a:prstGeom prst="rect">
+            <a:avLst/>
+          </a:prstGeom>
+          <a:solidFill>
+            <a:srgbClr val="00703C"/>
+          </a:solidFill>
+          <a:ln>
+            <a:noFill/>
+          </a:ln>
+          <a:effectLst>
+            <a:outerShdw blurRad="50800" dist="12700" dir="16200000" rotWithShape="0">
+              <a:prstClr val="black">
+                <a:alpha val="40000"/>
+              </a:prstClr>
+            </a:outerShdw>
+          </a:effectLst>
+        </p:spPr>
+        <p:style>
+          <a:lnRef idx="1">
+            <a:schemeClr val="accent1"/>
+          </a:lnRef>
+          <a:fillRef idx="3">
+            <a:schemeClr val="accent1"/>
+          </a:fillRef>
+          <a:effectRef idx="2">
+            <a:schemeClr val="accent1"/>
+          </a:effectRef>
+          <a:fontRef idx="minor">
+            <a:schemeClr val="lt1"/>
+          </a:fontRef>
+        </p:style>
+        <p:txBody>
+          <a:bodyPr rtlCol="0" anchor="ctr"/>
+          <a:lstStyle/>
+          <a:p>
+            <a:pPr algn="ctr"/>
+            <a:endParaRPr lang="en-US" sz="2400"/>
+          </a:p>
+        </p:txBody>
+      </p:sp>
+      <p:pic>
+        <p:nvPicPr>
+          <p:cNvPr id="6" name="Picture 5">
+            <a:extLst>
+              <a:ext uri="{FF2B5EF4-FFF2-40B4-BE49-F238E27FC236}">
+                <a16:creationId xmlns:a16="http://schemas.microsoft.com/office/drawing/2014/main" id="{0B3EF42B-D8C6-9E45-ACFE-42F1BC3B4E8E}"/>
+              </a:ext>
+            </a:extLst>
+          </p:cNvPr>
+          <p:cNvPicPr>
+            <a:picLocks noChangeAspect="1"/>
+          </p:cNvPicPr>
+          <p:nvPr/>
+        </p:nvPicPr>
+        <p:blipFill>
+          <a:blip r:embed="rId2"/>
+          <a:stretch>
+            <a:fillRect/>
+          </a:stretch>
+        </p:blipFill>
+        <p:spPr>
+          <a:xfrm>
+            <a:off x="10376085" y="5849957"/>
+            <a:ext cx="1593656" cy="739912"/>
+          </a:xfrm>
+          <a:prstGeom prst="rect">
+            <a:avLst/>
+          </a:prstGeom>
+        </p:spPr>
+      </p:pic>
+      <p:sp>
+        <p:nvSpPr>
+          <p:cNvPr id="16" name="Content Placeholder 3"/>
+          <p:cNvSpPr txBox="1">
+            <a:spLocks/>
+          </p:cNvSpPr>
+          <p:nvPr/>
+        </p:nvSpPr>
+        <p:spPr>
+          <a:xfrm>
+            <a:off x="8716869" y="1498619"/>
+            <a:ext cx="3252871" cy="4351338"/>
+          </a:xfrm>
+          <a:prstGeom prst="rect">
+            <a:avLst/>
+          </a:prstGeom>
+        </p:spPr>
+        <p:txBody>
+          <a:bodyPr vert="horz" lIns="91440" tIns="45720" rIns="91440" bIns="45720" rtlCol="0" anchor="ctr">
+            <a:normAutofit/>
+          </a:bodyPr>
+          <a:lstStyle>
+            <a:lvl1pPr marL="228600" indent="-228600" algn="l" defTabSz="914400" rtl="0" eaLnBrk="1" latinLnBrk="0" hangingPunct="1">
+              <a:lnSpc>
+                <a:spcPct val="90000"/>
+              </a:lnSpc>
+              <a:spcBef>
+                <a:spcPts val="1000"/>
+              </a:spcBef>
+              <a:buFont typeface="Arial" panose="020B0604020202020204" pitchFamily="34" charset="0"/>
+              <a:buChar char="•"/>
+              <a:defRPr sz="2800" kern="1200">
+                <a:solidFill>
+                  <a:schemeClr val="tx1"/>
+                </a:solidFill>
+                <a:latin typeface="+mn-lt"/>
+                <a:ea typeface="+mn-ea"/>
+                <a:cs typeface="+mn-cs"/>
+              </a:defRPr>
+            </a:lvl1pPr>
+            <a:lvl2pPr marL="685800" indent="-228600" algn="l" defTabSz="914400" rtl="0" eaLnBrk="1" latinLnBrk="0" hangingPunct="1">
+              <a:lnSpc>
+                <a:spcPct val="90000"/>
+              </a:lnSpc>
+              <a:spcBef>
+                <a:spcPts val="500"/>
+              </a:spcBef>
+              <a:buFont typeface="Arial" panose="020B0604020202020204" pitchFamily="34" charset="0"/>
+              <a:buChar char="•"/>
+              <a:defRPr sz="2400" kern="1200">
+                <a:solidFill>
+                  <a:schemeClr val="tx1"/>
+                </a:solidFill>
+                <a:latin typeface="+mn-lt"/>
+                <a:ea typeface="+mn-ea"/>
+                <a:cs typeface="+mn-cs"/>
+              </a:defRPr>
+            </a:lvl2pPr>
+            <a:lvl3pPr marL="1143000" indent="-228600" algn="l" defTabSz="914400" rtl="0" eaLnBrk="1" latinLnBrk="0" hangingPunct="1">
+              <a:lnSpc>
+                <a:spcPct val="90000"/>
+              </a:lnSpc>
+              <a:spcBef>
+                <a:spcPts val="500"/>
+              </a:spcBef>
+              <a:buFont typeface="Arial" panose="020B0604020202020204" pitchFamily="34" charset="0"/>
+              <a:buChar char="•"/>
+              <a:defRPr sz="2000" kern="1200">
+                <a:solidFill>
+                  <a:schemeClr val="tx1"/>
+                </a:solidFill>
+                <a:latin typeface="+mn-lt"/>
+                <a:ea typeface="+mn-ea"/>
+                <a:cs typeface="+mn-cs"/>
+              </a:defRPr>
+            </a:lvl3pPr>
+            <a:lvl4pPr marL="1600200" indent="-228600" algn="l" defTabSz="914400" rtl="0" eaLnBrk="1" latinLnBrk="0" hangingPunct="1">
+              <a:lnSpc>
+                <a:spcPct val="90000"/>
+              </a:lnSpc>
+              <a:spcBef>
+                <a:spcPts val="500"/>
+              </a:spcBef>
+              <a:buFont typeface="Arial" panose="020B0604020202020204" pitchFamily="34" charset="0"/>
+              <a:buChar char="•"/>
+              <a:defRPr sz="1800" kern="1200">
+                <a:solidFill>
+                  <a:schemeClr val="tx1"/>
+                </a:solidFill>
+                <a:latin typeface="+mn-lt"/>
+                <a:ea typeface="+mn-ea"/>
+                <a:cs typeface="+mn-cs"/>
+              </a:defRPr>
+            </a:lvl4pPr>
+            <a:lvl5pPr marL="2057400" indent="-228600" algn="l" defTabSz="914400" rtl="0" eaLnBrk="1" latinLnBrk="0" hangingPunct="1">
+              <a:lnSpc>
+                <a:spcPct val="90000"/>
+              </a:lnSpc>
+              <a:spcBef>
+                <a:spcPts val="500"/>
+              </a:spcBef>
+              <a:buFont typeface="Arial" panose="020B0604020202020204" pitchFamily="34" charset="0"/>
+              <a:buChar char="•"/>
+              <a:defRPr sz="1800" kern="1200">
+                <a:solidFill>
+                  <a:schemeClr val="tx1"/>
+                </a:solidFill>
+                <a:latin typeface="+mn-lt"/>
+                <a:ea typeface="+mn-ea"/>
+                <a:cs typeface="+mn-cs"/>
+              </a:defRPr>
+            </a:lvl5pPr>
+            <a:lvl6pPr marL="2514600" indent="-228600" algn="l" defTabSz="914400" rtl="0" eaLnBrk="1" latinLnBrk="0" hangingPunct="1">
+              <a:lnSpc>
+                <a:spcPct val="90000"/>
+              </a:lnSpc>
+              <a:spcBef>
+                <a:spcPts val="500"/>
+              </a:spcBef>
+              <a:buFont typeface="Arial" panose="020B0604020202020204" pitchFamily="34" charset="0"/>
+              <a:buChar char="•"/>
+              <a:defRPr sz="1800" kern="1200">
+                <a:solidFill>
+                  <a:schemeClr val="tx1"/>
+                </a:solidFill>
+                <a:latin typeface="+mn-lt"/>
+                <a:ea typeface="+mn-ea"/>
+                <a:cs typeface="+mn-cs"/>
+              </a:defRPr>
+            </a:lvl6pPr>
+            <a:lvl7pPr marL="2971800" indent="-228600" algn="l" defTabSz="914400" rtl="0" eaLnBrk="1" latinLnBrk="0" hangingPunct="1">
+              <a:lnSpc>
+                <a:spcPct val="90000"/>
+              </a:lnSpc>
+              <a:spcBef>
+                <a:spcPts val="500"/>
+              </a:spcBef>
+              <a:buFont typeface="Arial" panose="020B0604020202020204" pitchFamily="34" charset="0"/>
+              <a:buChar char="•"/>
+              <a:defRPr sz="1800" kern="1200">
+                <a:solidFill>
+                  <a:schemeClr val="tx1"/>
+                </a:solidFill>
+                <a:latin typeface="+mn-lt"/>
+                <a:ea typeface="+mn-ea"/>
+                <a:cs typeface="+mn-cs"/>
+              </a:defRPr>
+            </a:lvl7pPr>
+            <a:lvl8pPr marL="3429000" indent="-228600" algn="l" defTabSz="914400" rtl="0" eaLnBrk="1" latinLnBrk="0" hangingPunct="1">
+              <a:lnSpc>
+                <a:spcPct val="90000"/>
+              </a:lnSpc>
+              <a:spcBef>
+                <a:spcPts val="500"/>
+              </a:spcBef>
+              <a:buFont typeface="Arial" panose="020B0604020202020204" pitchFamily="34" charset="0"/>
+              <a:buChar char="•"/>
+              <a:defRPr sz="1800" kern="1200">
+                <a:solidFill>
+                  <a:schemeClr val="tx1"/>
+                </a:solidFill>
+                <a:latin typeface="+mn-lt"/>
+                <a:ea typeface="+mn-ea"/>
+                <a:cs typeface="+mn-cs"/>
+              </a:defRPr>
+            </a:lvl8pPr>
+            <a:lvl9pPr marL="3886200" indent="-228600" algn="l" defTabSz="914400" rtl="0" eaLnBrk="1" latinLnBrk="0" hangingPunct="1">
+              <a:lnSpc>
+                <a:spcPct val="90000"/>
+              </a:lnSpc>
+              <a:spcBef>
+                <a:spcPts val="500"/>
+              </a:spcBef>
+              <a:buFont typeface="Arial" panose="020B0604020202020204" pitchFamily="34" charset="0"/>
+              <a:buChar char="•"/>
+              <a:defRPr sz="1800" kern="1200">
+                <a:solidFill>
+                  <a:schemeClr val="tx1"/>
+                </a:solidFill>
+                <a:latin typeface="+mn-lt"/>
+                <a:ea typeface="+mn-ea"/>
+                <a:cs typeface="+mn-cs"/>
+              </a:defRPr>
+            </a:lvl9pPr>
+          </a:lstStyle>
+          <a:p>
+            <a:pPr marL="0" indent="0" algn="ctr">
+              <a:buFont typeface="Arial" panose="020B0604020202020204" pitchFamily="34" charset="0"/>
+              <a:buNone/>
+            </a:pPr>
+            <a:endParaRPr lang="en-US" sz="20000" dirty="0">
+              <a:solidFill>
+                <a:srgbClr val="00703C"/>
+              </a:solidFill>
+            </a:endParaRPr>
+          </a:p>
+        </p:txBody>
+      </p:sp>
+      <p:sp>
+        <p:nvSpPr>
+          <p:cNvPr id="18" name="Content Placeholder 3"/>
+          <p:cNvSpPr txBox="1">
+            <a:spLocks/>
+          </p:cNvSpPr>
+          <p:nvPr/>
+        </p:nvSpPr>
+        <p:spPr>
+          <a:xfrm>
+            <a:off x="438913" y="1279180"/>
+            <a:ext cx="8277966" cy="3945963"/>
+          </a:xfrm>
+          <a:prstGeom prst="rect">
+            <a:avLst/>
+          </a:prstGeom>
+        </p:spPr>
+        <p:txBody>
+          <a:bodyPr vert="horz" lIns="91440" tIns="45720" rIns="91440" bIns="45720" rtlCol="0" anchor="t">
+            <a:normAutofit/>
+          </a:bodyPr>
+          <a:lstStyle>
+            <a:lvl1pPr marL="228600" indent="-228600" algn="l" defTabSz="914400" rtl="0" eaLnBrk="1" latinLnBrk="0" hangingPunct="1">
+              <a:lnSpc>
+                <a:spcPct val="90000"/>
+              </a:lnSpc>
+              <a:spcBef>
+                <a:spcPts val="1000"/>
+              </a:spcBef>
+              <a:buFont typeface="Arial" panose="020B0604020202020204" pitchFamily="34" charset="0"/>
+              <a:buChar char="•"/>
+              <a:defRPr sz="2800" kern="1200">
+                <a:solidFill>
+                  <a:schemeClr val="tx1"/>
+                </a:solidFill>
+                <a:latin typeface="+mn-lt"/>
+                <a:ea typeface="+mn-ea"/>
+                <a:cs typeface="+mn-cs"/>
+              </a:defRPr>
+            </a:lvl1pPr>
+            <a:lvl2pPr marL="685800" indent="-228600" algn="l" defTabSz="914400" rtl="0" eaLnBrk="1" latinLnBrk="0" hangingPunct="1">
+              <a:lnSpc>
+                <a:spcPct val="90000"/>
+              </a:lnSpc>
+              <a:spcBef>
+                <a:spcPts val="500"/>
+              </a:spcBef>
+              <a:buFont typeface="Arial" panose="020B0604020202020204" pitchFamily="34" charset="0"/>
+              <a:buChar char="•"/>
+              <a:defRPr sz="2400" kern="1200">
+                <a:solidFill>
+                  <a:schemeClr val="tx1"/>
+                </a:solidFill>
+                <a:latin typeface="+mn-lt"/>
+                <a:ea typeface="+mn-ea"/>
+                <a:cs typeface="+mn-cs"/>
+              </a:defRPr>
+            </a:lvl2pPr>
+            <a:lvl3pPr marL="1143000" indent="-228600" algn="l" defTabSz="914400" rtl="0" eaLnBrk="1" latinLnBrk="0" hangingPunct="1">
+              <a:lnSpc>
+                <a:spcPct val="90000"/>
+              </a:lnSpc>
+              <a:spcBef>
+                <a:spcPts val="500"/>
+              </a:spcBef>
+              <a:buFont typeface="Arial" panose="020B0604020202020204" pitchFamily="34" charset="0"/>
+              <a:buChar char="•"/>
+              <a:defRPr sz="2000" kern="1200">
+                <a:solidFill>
+                  <a:schemeClr val="tx1"/>
+                </a:solidFill>
+                <a:latin typeface="+mn-lt"/>
+                <a:ea typeface="+mn-ea"/>
+                <a:cs typeface="+mn-cs"/>
+              </a:defRPr>
+            </a:lvl3pPr>
+            <a:lvl4pPr marL="1600200" indent="-228600" algn="l" defTabSz="914400" rtl="0" eaLnBrk="1" latinLnBrk="0" hangingPunct="1">
+              <a:lnSpc>
+                <a:spcPct val="90000"/>
+              </a:lnSpc>
+              <a:spcBef>
+                <a:spcPts val="500"/>
+              </a:spcBef>
+              <a:buFont typeface="Arial" panose="020B0604020202020204" pitchFamily="34" charset="0"/>
+              <a:buChar char="•"/>
+              <a:defRPr sz="1800" kern="1200">
+                <a:solidFill>
+                  <a:schemeClr val="tx1"/>
+                </a:solidFill>
+                <a:latin typeface="+mn-lt"/>
+                <a:ea typeface="+mn-ea"/>
+                <a:cs typeface="+mn-cs"/>
+              </a:defRPr>
+            </a:lvl4pPr>
+            <a:lvl5pPr marL="2057400" indent="-228600" algn="l" defTabSz="914400" rtl="0" eaLnBrk="1" latinLnBrk="0" hangingPunct="1">
+              <a:lnSpc>
+                <a:spcPct val="90000"/>
+              </a:lnSpc>
+              <a:spcBef>
+                <a:spcPts val="500"/>
+              </a:spcBef>
+              <a:buFont typeface="Arial" panose="020B0604020202020204" pitchFamily="34" charset="0"/>
+              <a:buChar char="•"/>
+              <a:defRPr sz="1800" kern="1200">
+                <a:solidFill>
+                  <a:schemeClr val="tx1"/>
+                </a:solidFill>
+                <a:latin typeface="+mn-lt"/>
+                <a:ea typeface="+mn-ea"/>
+                <a:cs typeface="+mn-cs"/>
+              </a:defRPr>
+            </a:lvl5pPr>
+            <a:lvl6pPr marL="2514600" indent="-228600" algn="l" defTabSz="914400" rtl="0" eaLnBrk="1" latinLnBrk="0" hangingPunct="1">
+              <a:lnSpc>
+                <a:spcPct val="90000"/>
+              </a:lnSpc>
+              <a:spcBef>
+                <a:spcPts val="500"/>
+              </a:spcBef>
+              <a:buFont typeface="Arial" panose="020B0604020202020204" pitchFamily="34" charset="0"/>
+              <a:buChar char="•"/>
+              <a:defRPr sz="1800" kern="1200">
+                <a:solidFill>
+                  <a:schemeClr val="tx1"/>
+                </a:solidFill>
+                <a:latin typeface="+mn-lt"/>
+                <a:ea typeface="+mn-ea"/>
+                <a:cs typeface="+mn-cs"/>
+              </a:defRPr>
+            </a:lvl6pPr>
+            <a:lvl7pPr marL="2971800" indent="-228600" algn="l" defTabSz="914400" rtl="0" eaLnBrk="1" latinLnBrk="0" hangingPunct="1">
+              <a:lnSpc>
+                <a:spcPct val="90000"/>
+              </a:lnSpc>
+              <a:spcBef>
+                <a:spcPts val="500"/>
+              </a:spcBef>
+              <a:buFont typeface="Arial" panose="020B0604020202020204" pitchFamily="34" charset="0"/>
+              <a:buChar char="•"/>
+              <a:defRPr sz="1800" kern="1200">
+                <a:solidFill>
+                  <a:schemeClr val="tx1"/>
+                </a:solidFill>
+                <a:latin typeface="+mn-lt"/>
+                <a:ea typeface="+mn-ea"/>
+                <a:cs typeface="+mn-cs"/>
+              </a:defRPr>
+            </a:lvl7pPr>
+            <a:lvl8pPr marL="3429000" indent="-228600" algn="l" defTabSz="914400" rtl="0" eaLnBrk="1" latinLnBrk="0" hangingPunct="1">
+              <a:lnSpc>
+                <a:spcPct val="90000"/>
+              </a:lnSpc>
+              <a:spcBef>
+                <a:spcPts val="500"/>
+              </a:spcBef>
+              <a:buFont typeface="Arial" panose="020B0604020202020204" pitchFamily="34" charset="0"/>
+              <a:buChar char="•"/>
+              <a:defRPr sz="1800" kern="1200">
+                <a:solidFill>
+                  <a:schemeClr val="tx1"/>
+                </a:solidFill>
+                <a:latin typeface="+mn-lt"/>
+                <a:ea typeface="+mn-ea"/>
+                <a:cs typeface="+mn-cs"/>
+              </a:defRPr>
+            </a:lvl8pPr>
+            <a:lvl9pPr marL="3886200" indent="-228600" algn="l" defTabSz="914400" rtl="0" eaLnBrk="1" latinLnBrk="0" hangingPunct="1">
+              <a:lnSpc>
+                <a:spcPct val="90000"/>
+              </a:lnSpc>
+              <a:spcBef>
+                <a:spcPts val="500"/>
+              </a:spcBef>
+              <a:buFont typeface="Arial" panose="020B0604020202020204" pitchFamily="34" charset="0"/>
+              <a:buChar char="•"/>
+              <a:defRPr sz="1800" kern="1200">
+                <a:solidFill>
+                  <a:schemeClr val="tx1"/>
+                </a:solidFill>
+                <a:latin typeface="+mn-lt"/>
+                <a:ea typeface="+mn-ea"/>
+                <a:cs typeface="+mn-cs"/>
+              </a:defRPr>
+            </a:lvl9pPr>
+          </a:lstStyle>
+          <a:p>
+            <a:pPr marL="0" indent="0">
+              <a:buFont typeface="Arial" panose="020B0604020202020204" pitchFamily="34" charset="0"/>
+              <a:buNone/>
+            </a:pPr>
+            <a:r>
+              <a:rPr lang="en-US" sz="2400" b="1" dirty="0"/>
+              <a:t>Instructions:</a:t>
+            </a:r>
+          </a:p>
+          <a:p>
+            <a:pPr marL="914400" lvl="1" indent="-457200">
+              <a:buFont typeface="+mj-lt"/>
+              <a:buAutoNum type="arabicPeriod"/>
+            </a:pPr>
+            <a:r>
+              <a:rPr lang="en-US" sz="1600" dirty="0"/>
+              <a:t>Make a copy of </a:t>
+            </a:r>
+          </a:p>
+        </p:txBody>
+      </p:sp>
+    </p:spTree>
+    <p:extLst>
+      <p:ext uri="{BB962C8B-B14F-4D97-AF65-F5344CB8AC3E}">
+        <p14:creationId xmlns:p14="http://schemas.microsoft.com/office/powerpoint/2010/main" val="3790788932"/>
+      </p:ext>
+    </p:extLst>
+  </p:cSld>
+  <p:clrMapOvr>
+    <a:masterClrMapping/>
+  </p:clrMapOvr>
+  <p:timing>
+    <p:tnLst>
+      <p:par>
+        <p:cTn id="1" dur="indefinite" restart="never" nodeType="tmRoot">
+          <p:childTnLst>
+            <p:seq concurrent="1" nextAc="seek">
+              <p:cTn id="2" dur="indefinite" nodeType="mainSeq">
+                <p:childTnLst>
+                  <p:par>
+                    <p:cTn id="3" fill="hold">
+                      <p:stCondLst>
+                        <p:cond delay="indefinite"/>
+                        <p:cond evt="onBegin" delay="0">
+                          <p:tn val="2"/>
+                        </p:cond>
+                      </p:stCondLst>
+                      <p:childTnLst>
+                        <p:par>
+                          <p:cTn id="4" fill="hold">
+                            <p:stCondLst>
+                              <p:cond delay="0"/>
+                            </p:stCondLst>
+                            <p:childTnLst>
+                              <p:par>
+                                <p:cTn id="5" presetID="1" presetClass="entr" presetSubtype="0" fill="hold" nodeType="afterEffect" nodePh="1">
+                                  <p:stCondLst>
+                                    <p:cond delay="0"/>
+                                  </p:stCondLst>
+                                  <p:endCondLst>
+                                    <p:cond evt="begin" delay="0">
+                                      <p:tn val="5"/>
+                                    </p:cond>
+                                  </p:endCondLst>
+                                  <p:childTnLst>
+                                    <p:set>
+                                      <p:cBhvr>
+                                        <p:cTn id="6" dur="1" fill="hold">
+                                          <p:stCondLst>
+                                            <p:cond delay="9"/>
+                                          </p:stCondLst>
+                                        </p:cTn>
+                                        <p:tgtEl>
+                                          <p:spTgt spid="16">
+                                            <p:txEl>
+                                              <p:pRg st="0" end="0"/>
+                                            </p:txEl>
+                                          </p:spTgt>
+                                        </p:tgtEl>
+                                        <p:attrNameLst>
+                                          <p:attrName>style.visibility</p:attrName>
+                                        </p:attrNameLst>
+                                      </p:cBhvr>
+                                      <p:to>
+                                        <p:strVal val="visible"/>
+                                      </p:to>
+                                    </p:set>
+                                  </p:childTnLst>
+                                </p:cTn>
+                              </p:par>
+                            </p:childTnLst>
+                          </p:cTn>
+                        </p:par>
+                        <p:par>
+                          <p:cTn id="7" fill="hold">
+                            <p:stCondLst>
+                              <p:cond delay="10"/>
+                            </p:stCondLst>
+                            <p:childTnLst>
+                              <p:par>
+                                <p:cTn id="8" presetID="1" presetClass="exit" presetSubtype="0" fill="hold" nodeType="afterEffect" nodePh="1">
+                                  <p:stCondLst>
+                                    <p:cond delay="0"/>
+                                  </p:stCondLst>
+                                  <p:endCondLst>
+                                    <p:cond evt="begin" delay="0">
+                                      <p:tn val="8"/>
+                                    </p:cond>
+                                  </p:endCondLst>
+                                  <p:childTnLst>
+                                    <p:set>
+                                      <p:cBhvr>
+                                        <p:cTn id="9" dur="1" fill="hold">
+                                          <p:stCondLst>
+                                            <p:cond delay="58999"/>
+                                          </p:stCondLst>
+                                        </p:cTn>
+                                        <p:tgtEl>
+                                          <p:spTgt spid="16">
+                                            <p:txEl>
+                                              <p:pRg st="0" end="0"/>
+                                            </p:txEl>
+                                          </p:spTgt>
+                                        </p:tgtEl>
+                                        <p:attrNameLst>
+                                          <p:attrName>style.visibility</p:attrName>
+                                        </p:attrNameLst>
+                                      </p:cBhvr>
+                                      <p:to>
+                                        <p:strVal val="hidden"/>
+                                      </p:to>
+                                    </p:set>
+                                  </p:childTnLst>
+                                </p:cTn>
+                              </p:par>
+                            </p:childTnLst>
+                          </p:cTn>
+                        </p:par>
+                      </p:childTnLst>
+                    </p:cTn>
+                  </p:par>
+                </p:childTnLst>
+              </p:cTn>
+              <p:prevCondLst>
+                <p:cond evt="onPrev" delay="0">
+                  <p:tgtEl>
+                    <p:sldTgt/>
+                  </p:tgtEl>
+                </p:cond>
+              </p:prevCondLst>
+              <p:nextCondLst>
+                <p:cond evt="onNext" delay="0">
+                  <p:tgtEl>
+                    <p:sldTgt/>
+                  </p:tgtEl>
+                </p:cond>
+              </p:nextCondLst>
+            </p:seq>
+          </p:childTnLst>
+        </p:cTn>
+      </p:par>
+    </p:tnLst>
+  </p:timing>
 </p:sld>
 </file>
 
@@ -11348,6 +11395,86 @@
           </a:p>
         </p:txBody>
       </p:sp>
+      <p:cxnSp>
+        <p:nvCxnSpPr>
+          <p:cNvPr id="17" name="Straight Arrow Connector 16">
+            <a:extLst>
+              <a:ext uri="{FF2B5EF4-FFF2-40B4-BE49-F238E27FC236}">
+                <a16:creationId xmlns:a16="http://schemas.microsoft.com/office/drawing/2014/main" id="{5BE2EBB7-7627-4E3C-B1CD-931571FC4C86}"/>
+              </a:ext>
+            </a:extLst>
+          </p:cNvPr>
+          <p:cNvCxnSpPr/>
+          <p:nvPr/>
+        </p:nvCxnSpPr>
+        <p:spPr>
+          <a:xfrm>
+            <a:off x="9183690" y="2629889"/>
+            <a:ext cx="337460" cy="6635"/>
+          </a:xfrm>
+          <a:prstGeom prst="straightConnector1">
+            <a:avLst/>
+          </a:prstGeom>
+          <a:ln>
+            <a:headEnd type="triangle"/>
+            <a:tailEnd type="triangle"/>
+          </a:ln>
+        </p:spPr>
+        <p:style>
+          <a:lnRef idx="1">
+            <a:schemeClr val="dk1"/>
+          </a:lnRef>
+          <a:fillRef idx="0">
+            <a:schemeClr val="dk1"/>
+          </a:fillRef>
+          <a:effectRef idx="0">
+            <a:schemeClr val="dk1"/>
+          </a:effectRef>
+          <a:fontRef idx="minor">
+            <a:schemeClr val="tx1"/>
+          </a:fontRef>
+        </p:style>
+      </p:cxnSp>
+      <p:cxnSp>
+        <p:nvCxnSpPr>
+          <p:cNvPr id="33" name="Straight Arrow Connector 32">
+            <a:extLst>
+              <a:ext uri="{FF2B5EF4-FFF2-40B4-BE49-F238E27FC236}">
+                <a16:creationId xmlns:a16="http://schemas.microsoft.com/office/drawing/2014/main" id="{BB8F777C-CD6B-46D7-86D6-EF52E18BA26A}"/>
+              </a:ext>
+            </a:extLst>
+          </p:cNvPr>
+          <p:cNvCxnSpPr/>
+          <p:nvPr/>
+        </p:nvCxnSpPr>
+        <p:spPr>
+          <a:xfrm>
+            <a:off x="8047812" y="2626571"/>
+            <a:ext cx="337460" cy="6635"/>
+          </a:xfrm>
+          <a:prstGeom prst="straightConnector1">
+            <a:avLst/>
+          </a:prstGeom>
+          <a:ln>
+            <a:headEnd type="triangle"/>
+            <a:tailEnd type="triangle"/>
+          </a:ln>
+        </p:spPr>
+        <p:style>
+          <a:lnRef idx="1">
+            <a:schemeClr val="dk1"/>
+          </a:lnRef>
+          <a:fillRef idx="0">
+            <a:schemeClr val="dk1"/>
+          </a:fillRef>
+          <a:effectRef idx="0">
+            <a:schemeClr val="dk1"/>
+          </a:effectRef>
+          <a:fontRef idx="minor">
+            <a:schemeClr val="tx1"/>
+          </a:fontRef>
+        </p:style>
+      </p:cxnSp>
     </p:spTree>
     <p:extLst>
       <p:ext uri="{BB962C8B-B14F-4D97-AF65-F5344CB8AC3E}">
@@ -11553,6 +11680,41 @@
                                   </p:childTnLst>
                                 </p:cTn>
                               </p:par>
+                              <p:par>
+                                <p:cTn id="20" presetID="10" presetClass="entr" presetSubtype="0" fill="hold" nodeType="withEffect">
+                                  <p:stCondLst>
+                                    <p:cond delay="0"/>
+                                  </p:stCondLst>
+                                  <p:childTnLst>
+                                    <p:set>
+                                      <p:cBhvr>
+                                        <p:cTn id="21" dur="1" fill="hold">
+                                          <p:stCondLst>
+                                            <p:cond delay="0"/>
+                                          </p:stCondLst>
+                                        </p:cTn>
+                                        <p:tgtEl>
+                                          <p:spTgt spid="33"/>
+                                        </p:tgtEl>
+                                        <p:attrNameLst>
+                                          <p:attrName>style.visibility</p:attrName>
+                                        </p:attrNameLst>
+                                      </p:cBhvr>
+                                      <p:to>
+                                        <p:strVal val="visible"/>
+                                      </p:to>
+                                    </p:set>
+                                    <p:animEffect transition="in" filter="fade">
+                                      <p:cBhvr>
+                                        <p:cTn id="22" dur="1500"/>
+                                        <p:tgtEl>
+                                          <p:spTgt spid="33"/>
+                                        </p:tgtEl>
+                                      </p:cBhvr>
+                                    </p:animEffect>
+                                  </p:childTnLst>
+                                </p:cTn>
+                              </p:par>
                             </p:childTnLst>
                           </p:cTn>
                         </p:par>
@@ -11560,26 +11722,26 @@
                     </p:cTn>
                   </p:par>
                   <p:par>
-                    <p:cTn id="20" fill="hold">
+                    <p:cTn id="23" fill="hold">
                       <p:stCondLst>
                         <p:cond delay="indefinite"/>
                       </p:stCondLst>
                       <p:childTnLst>
                         <p:par>
-                          <p:cTn id="21" fill="hold">
+                          <p:cTn id="24" fill="hold">
                             <p:stCondLst>
                               <p:cond delay="0"/>
                             </p:stCondLst>
                             <p:childTnLst>
                               <p:par>
-                                <p:cTn id="22" presetID="10" presetClass="entr" presetSubtype="0" fill="hold" grpId="0" nodeType="clickEffect">
+                                <p:cTn id="25" presetID="10" presetClass="entr" presetSubtype="0" fill="hold" grpId="0" nodeType="clickEffect">
                                   <p:stCondLst>
                                     <p:cond delay="0"/>
                                   </p:stCondLst>
                                   <p:childTnLst>
                                     <p:set>
                                       <p:cBhvr>
-                                        <p:cTn id="23" dur="1" fill="hold">
+                                        <p:cTn id="26" dur="1" fill="hold">
                                           <p:stCondLst>
                                             <p:cond delay="0"/>
                                           </p:stCondLst>
@@ -11597,44 +11759,9 @@
                                     </p:set>
                                     <p:animEffect transition="in" filter="fade">
                                       <p:cBhvr>
-                                        <p:cTn id="24" dur="1500"/>
+                                        <p:cTn id="27" dur="1500"/>
                                         <p:tgtEl>
                                           <p:spTgt spid="28"/>
-                                        </p:tgtEl>
-                                      </p:cBhvr>
-                                    </p:animEffect>
-                                  </p:childTnLst>
-                                </p:cTn>
-                              </p:par>
-                              <p:par>
-                                <p:cTn id="25" presetID="10" presetClass="entr" presetSubtype="0" fill="hold" nodeType="withEffect">
-                                  <p:stCondLst>
-                                    <p:cond delay="0"/>
-                                  </p:stCondLst>
-                                  <p:childTnLst>
-                                    <p:set>
-                                      <p:cBhvr>
-                                        <p:cTn id="26" dur="1" fill="hold">
-                                          <p:stCondLst>
-                                            <p:cond delay="0"/>
-                                          </p:stCondLst>
-                                        </p:cTn>
-                                        <p:tgtEl>
-                                          <p:spTgt spid="26"/>
-                                        </p:tgtEl>
-                                        <p:attrNameLst>
-                                          <p:attrName>style.visibility</p:attrName>
-                                        </p:attrNameLst>
-                                      </p:cBhvr>
-                                      <p:to>
-                                        <p:strVal val="visible"/>
-                                      </p:to>
-                                    </p:set>
-                                    <p:animEffect transition="in" filter="fade">
-                                      <p:cBhvr>
-                                        <p:cTn id="27" dur="1500"/>
-                                        <p:tgtEl>
-                                          <p:spTgt spid="26"/>
                                         </p:tgtEl>
                                       </p:cBhvr>
                                     </p:animEffect>
@@ -11655,7 +11782,7 @@
                                           </p:stCondLst>
                                         </p:cTn>
                                         <p:tgtEl>
-                                          <p:spTgt spid="27"/>
+                                          <p:spTgt spid="26"/>
                                         </p:tgtEl>
                                         <p:attrNameLst>
                                           <p:attrName>style.visibility</p:attrName>
@@ -11669,6 +11796,41 @@
                                       <p:cBhvr>
                                         <p:cTn id="30" dur="1500"/>
                                         <p:tgtEl>
+                                          <p:spTgt spid="26"/>
+                                        </p:tgtEl>
+                                      </p:cBhvr>
+                                    </p:animEffect>
+                                  </p:childTnLst>
+                                </p:cTn>
+                              </p:par>
+                              <p:par>
+                                <p:cTn id="31" presetID="10" presetClass="entr" presetSubtype="0" fill="hold" nodeType="withEffect">
+                                  <p:stCondLst>
+                                    <p:cond delay="0"/>
+                                  </p:stCondLst>
+                                  <p:childTnLst>
+                                    <p:set>
+                                      <p:cBhvr>
+                                        <p:cTn id="32" dur="1" fill="hold">
+                                          <p:stCondLst>
+                                            <p:cond delay="0"/>
+                                          </p:stCondLst>
+                                        </p:cTn>
+                                        <p:tgtEl>
+                                          <p:spTgt spid="27"/>
+                                        </p:tgtEl>
+                                        <p:attrNameLst>
+                                          <p:attrName>style.visibility</p:attrName>
+                                        </p:attrNameLst>
+                                      </p:cBhvr>
+                                      <p:to>
+                                        <p:strVal val="visible"/>
+                                      </p:to>
+                                    </p:set>
+                                    <p:animEffect transition="in" filter="fade">
+                                      <p:cBhvr>
+                                        <p:cTn id="33" dur="1500"/>
+                                        <p:tgtEl>
                                           <p:spTgt spid="27"/>
                                         </p:tgtEl>
                                       </p:cBhvr>
@@ -11677,14 +11839,14 @@
                                 </p:cTn>
                               </p:par>
                               <p:par>
-                                <p:cTn id="31" presetID="10" presetClass="entr" presetSubtype="0" fill="hold" grpId="0" nodeType="withEffect">
+                                <p:cTn id="34" presetID="10" presetClass="entr" presetSubtype="0" fill="hold" grpId="0" nodeType="withEffect">
                                   <p:stCondLst>
                                     <p:cond delay="0"/>
                                   </p:stCondLst>
                                   <p:childTnLst>
                                     <p:set>
                                       <p:cBhvr>
-                                        <p:cTn id="32" dur="1" fill="hold">
+                                        <p:cTn id="35" dur="1" fill="hold">
                                           <p:stCondLst>
                                             <p:cond delay="0"/>
                                           </p:stCondLst>
@@ -11702,7 +11864,7 @@
                                     </p:set>
                                     <p:animEffect transition="in" filter="fade">
                                       <p:cBhvr>
-                                        <p:cTn id="33" dur="1500"/>
+                                        <p:cTn id="36" dur="1500"/>
                                         <p:tgtEl>
                                           <p:spTgt spid="25"/>
                                         </p:tgtEl>
@@ -11712,14 +11874,14 @@
                                 </p:cTn>
                               </p:par>
                               <p:par>
-                                <p:cTn id="34" presetID="10" presetClass="entr" presetSubtype="0" fill="hold" nodeType="withEffect">
+                                <p:cTn id="37" presetID="10" presetClass="entr" presetSubtype="0" fill="hold" nodeType="withEffect">
                                   <p:stCondLst>
                                     <p:cond delay="0"/>
                                   </p:stCondLst>
                                   <p:childTnLst>
                                     <p:set>
                                       <p:cBhvr>
-                                        <p:cTn id="35" dur="1" fill="hold">
+                                        <p:cTn id="38" dur="1" fill="hold">
                                           <p:stCondLst>
                                             <p:cond delay="0"/>
                                           </p:stCondLst>
@@ -11737,9 +11899,44 @@
                                     </p:set>
                                     <p:animEffect transition="in" filter="fade">
                                       <p:cBhvr>
-                                        <p:cTn id="36" dur="1500"/>
+                                        <p:cTn id="39" dur="1500"/>
                                         <p:tgtEl>
                                           <p:spTgt spid="34"/>
+                                        </p:tgtEl>
+                                      </p:cBhvr>
+                                    </p:animEffect>
+                                  </p:childTnLst>
+                                </p:cTn>
+                              </p:par>
+                              <p:par>
+                                <p:cTn id="40" presetID="10" presetClass="entr" presetSubtype="0" fill="hold" nodeType="withEffect">
+                                  <p:stCondLst>
+                                    <p:cond delay="0"/>
+                                  </p:stCondLst>
+                                  <p:childTnLst>
+                                    <p:set>
+                                      <p:cBhvr>
+                                        <p:cTn id="41" dur="1" fill="hold">
+                                          <p:stCondLst>
+                                            <p:cond delay="0"/>
+                                          </p:stCondLst>
+                                        </p:cTn>
+                                        <p:tgtEl>
+                                          <p:spTgt spid="17"/>
+                                        </p:tgtEl>
+                                        <p:attrNameLst>
+                                          <p:attrName>style.visibility</p:attrName>
+                                        </p:attrNameLst>
+                                      </p:cBhvr>
+                                      <p:to>
+                                        <p:strVal val="visible"/>
+                                      </p:to>
+                                    </p:set>
+                                    <p:animEffect transition="in" filter="fade">
+                                      <p:cBhvr>
+                                        <p:cTn id="42" dur="1500"/>
+                                        <p:tgtEl>
+                                          <p:spTgt spid="17"/>
                                         </p:tgtEl>
                                       </p:cBhvr>
                                     </p:animEffect>
@@ -11753,26 +11950,26 @@
                     </p:cTn>
                   </p:par>
                   <p:par>
-                    <p:cTn id="37" fill="hold">
+                    <p:cTn id="43" fill="hold">
                       <p:stCondLst>
                         <p:cond delay="indefinite"/>
                       </p:stCondLst>
                       <p:childTnLst>
                         <p:par>
-                          <p:cTn id="38" fill="hold">
+                          <p:cTn id="44" fill="hold">
                             <p:stCondLst>
                               <p:cond delay="0"/>
                             </p:stCondLst>
                             <p:childTnLst>
                               <p:par>
-                                <p:cTn id="39" presetID="10" presetClass="entr" presetSubtype="0" fill="hold" grpId="0" nodeType="clickEffect">
+                                <p:cTn id="45" presetID="10" presetClass="entr" presetSubtype="0" fill="hold" grpId="0" nodeType="clickEffect">
                                   <p:stCondLst>
                                     <p:cond delay="0"/>
                                   </p:stCondLst>
                                   <p:childTnLst>
                                     <p:set>
                                       <p:cBhvr>
-                                        <p:cTn id="40" dur="1" fill="hold">
+                                        <p:cTn id="46" dur="1" fill="hold">
                                           <p:stCondLst>
                                             <p:cond delay="0"/>
                                           </p:stCondLst>
@@ -11790,7 +11987,7 @@
                                     </p:set>
                                     <p:animEffect transition="in" filter="fade">
                                       <p:cBhvr>
-                                        <p:cTn id="41" dur="1500"/>
+                                        <p:cTn id="47" dur="1500"/>
                                         <p:tgtEl>
                                           <p:spTgt spid="46"/>
                                         </p:tgtEl>
@@ -11800,14 +11997,14 @@
                                 </p:cTn>
                               </p:par>
                               <p:par>
-                                <p:cTn id="42" presetID="10" presetClass="entr" presetSubtype="0" fill="hold" grpId="0" nodeType="withEffect">
+                                <p:cTn id="48" presetID="10" presetClass="entr" presetSubtype="0" fill="hold" grpId="0" nodeType="withEffect">
                                   <p:stCondLst>
                                     <p:cond delay="0"/>
                                   </p:stCondLst>
                                   <p:childTnLst>
                                     <p:set>
                                       <p:cBhvr>
-                                        <p:cTn id="43" dur="1" fill="hold">
+                                        <p:cTn id="49" dur="1" fill="hold">
                                           <p:stCondLst>
                                             <p:cond delay="0"/>
                                           </p:stCondLst>
@@ -11825,7 +12022,7 @@
                                     </p:set>
                                     <p:animEffect transition="in" filter="fade">
                                       <p:cBhvr>
-                                        <p:cTn id="44" dur="1500"/>
+                                        <p:cTn id="50" dur="1500"/>
                                         <p:tgtEl>
                                           <p:spTgt spid="47"/>
                                         </p:tgtEl>
@@ -15600,8 +15797,8 @@
           </a:p>
         </p:txBody>
       </p:sp>
-      <mc:AlternateContent xmlns:mc="http://schemas.openxmlformats.org/markup-compatibility/2006">
-        <mc:Choice xmlns:a14="http://schemas.microsoft.com/office/drawing/2010/main" Requires="a14">
+      <mc:AlternateContent xmlns:mc="http://schemas.openxmlformats.org/markup-compatibility/2006" xmlns:a14="http://schemas.microsoft.com/office/drawing/2010/main">
+        <mc:Choice Requires="a14">
           <p:sp>
             <p:nvSpPr>
               <p:cNvPr id="18" name="Content Placeholder 3"/>
@@ -15975,7 +16172,7 @@
             </p:txBody>
           </p:sp>
         </mc:Choice>
-        <mc:Fallback>
+        <mc:Fallback xmlns="">
           <p:sp>
             <p:nvSpPr>
               <p:cNvPr id="18" name="Content Placeholder 3"/>
@@ -16857,6 +17054,51 @@
                       </p:childTnLst>
                     </p:cTn>
                   </p:par>
+                  <p:par>
+                    <p:cTn id="46" fill="hold">
+                      <p:stCondLst>
+                        <p:cond delay="indefinite"/>
+                      </p:stCondLst>
+                      <p:childTnLst>
+                        <p:par>
+                          <p:cTn id="47" fill="hold">
+                            <p:stCondLst>
+                              <p:cond delay="0"/>
+                            </p:stCondLst>
+                            <p:childTnLst>
+                              <p:par>
+                                <p:cTn id="48" presetID="1" presetClass="entr" presetSubtype="0" fill="hold" grpId="0" nodeType="clickEffect">
+                                  <p:stCondLst>
+                                    <p:cond delay="0"/>
+                                  </p:stCondLst>
+                                  <p:childTnLst>
+                                    <p:set>
+                                      <p:cBhvr>
+                                        <p:cTn id="49" dur="1" fill="hold">
+                                          <p:stCondLst>
+                                            <p:cond delay="0"/>
+                                          </p:stCondLst>
+                                        </p:cTn>
+                                        <p:tgtEl>
+                                          <p:spTgt spid="3"/>
+                                        </p:tgtEl>
+                                        <p:attrNameLst>
+                                          <p:attrName>style.visibility</p:attrName>
+                                        </p:attrNameLst>
+                                      </p:cBhvr>
+                                      <p:to>
+                                        <p:strVal val="visible"/>
+                                      </p:to>
+                                    </p:set>
+                                  </p:childTnLst>
+                                </p:cTn>
+                              </p:par>
+                            </p:childTnLst>
+                          </p:cTn>
+                        </p:par>
+                      </p:childTnLst>
+                    </p:cTn>
+                  </p:par>
                 </p:childTnLst>
               </p:cTn>
               <p:prevCondLst>
@@ -16878,6 +17120,9 @@
         </p:cTn>
       </p:par>
     </p:tnLst>
+    <p:bldLst>
+      <p:bldP spid="3" grpId="0"/>
+    </p:bldLst>
   </p:timing>
 </p:sld>
 </file>
@@ -20586,7 +20831,7 @@
               <a:buNone/>
             </a:pPr>
             <a:r>
-              <a:rPr lang="en-US" sz="2400" b="1" dirty="0"/>
+              <a:rPr lang="en-US" sz="2000" b="1" dirty="0"/>
               <a:t>Instructions:</a:t>
             </a:r>
           </a:p>
@@ -20833,7 +21078,7 @@
               <a:buNone/>
             </a:pPr>
             <a:r>
-              <a:rPr lang="en-US" sz="2400" b="1" dirty="0"/>
+              <a:rPr lang="en-US" sz="2000" b="1" dirty="0"/>
               <a:t>Sample Output:</a:t>
             </a:r>
           </a:p>
